--- a/note/Technical-Note.pptx
+++ b/note/Technical-Note.pptx
@@ -263,7 +263,7 @@
           <a:p>
             <a:fld id="{077DBB04-3226-F24F-BB25-0A802932BE86}" type="datetimeFigureOut">
               <a:rPr kumimoji="1" lang="zh-CN" altLang="en-US" smtClean="0"/>
-              <a:t>2021/8/6</a:t>
+              <a:t>2021/8/8</a:t>
             </a:fld>
             <a:endParaRPr kumimoji="1" lang="zh-CN" altLang="en-US"/>
           </a:p>
@@ -461,7 +461,7 @@
           <a:p>
             <a:fld id="{077DBB04-3226-F24F-BB25-0A802932BE86}" type="datetimeFigureOut">
               <a:rPr kumimoji="1" lang="zh-CN" altLang="en-US" smtClean="0"/>
-              <a:t>2021/8/6</a:t>
+              <a:t>2021/8/8</a:t>
             </a:fld>
             <a:endParaRPr kumimoji="1" lang="zh-CN" altLang="en-US"/>
           </a:p>
@@ -669,7 +669,7 @@
           <a:p>
             <a:fld id="{077DBB04-3226-F24F-BB25-0A802932BE86}" type="datetimeFigureOut">
               <a:rPr kumimoji="1" lang="zh-CN" altLang="en-US" smtClean="0"/>
-              <a:t>2021/8/6</a:t>
+              <a:t>2021/8/8</a:t>
             </a:fld>
             <a:endParaRPr kumimoji="1" lang="zh-CN" altLang="en-US"/>
           </a:p>
@@ -867,7 +867,7 @@
           <a:p>
             <a:fld id="{077DBB04-3226-F24F-BB25-0A802932BE86}" type="datetimeFigureOut">
               <a:rPr kumimoji="1" lang="zh-CN" altLang="en-US" smtClean="0"/>
-              <a:t>2021/8/6</a:t>
+              <a:t>2021/8/8</a:t>
             </a:fld>
             <a:endParaRPr kumimoji="1" lang="zh-CN" altLang="en-US"/>
           </a:p>
@@ -1142,7 +1142,7 @@
           <a:p>
             <a:fld id="{077DBB04-3226-F24F-BB25-0A802932BE86}" type="datetimeFigureOut">
               <a:rPr kumimoji="1" lang="zh-CN" altLang="en-US" smtClean="0"/>
-              <a:t>2021/8/6</a:t>
+              <a:t>2021/8/8</a:t>
             </a:fld>
             <a:endParaRPr kumimoji="1" lang="zh-CN" altLang="en-US"/>
           </a:p>
@@ -1407,7 +1407,7 @@
           <a:p>
             <a:fld id="{077DBB04-3226-F24F-BB25-0A802932BE86}" type="datetimeFigureOut">
               <a:rPr kumimoji="1" lang="zh-CN" altLang="en-US" smtClean="0"/>
-              <a:t>2021/8/6</a:t>
+              <a:t>2021/8/8</a:t>
             </a:fld>
             <a:endParaRPr kumimoji="1" lang="zh-CN" altLang="en-US"/>
           </a:p>
@@ -1819,7 +1819,7 @@
           <a:p>
             <a:fld id="{077DBB04-3226-F24F-BB25-0A802932BE86}" type="datetimeFigureOut">
               <a:rPr kumimoji="1" lang="zh-CN" altLang="en-US" smtClean="0"/>
-              <a:t>2021/8/6</a:t>
+              <a:t>2021/8/8</a:t>
             </a:fld>
             <a:endParaRPr kumimoji="1" lang="zh-CN" altLang="en-US"/>
           </a:p>
@@ -1960,7 +1960,7 @@
           <a:p>
             <a:fld id="{077DBB04-3226-F24F-BB25-0A802932BE86}" type="datetimeFigureOut">
               <a:rPr kumimoji="1" lang="zh-CN" altLang="en-US" smtClean="0"/>
-              <a:t>2021/8/6</a:t>
+              <a:t>2021/8/8</a:t>
             </a:fld>
             <a:endParaRPr kumimoji="1" lang="zh-CN" altLang="en-US"/>
           </a:p>
@@ -2073,7 +2073,7 @@
           <a:p>
             <a:fld id="{077DBB04-3226-F24F-BB25-0A802932BE86}" type="datetimeFigureOut">
               <a:rPr kumimoji="1" lang="zh-CN" altLang="en-US" smtClean="0"/>
-              <a:t>2021/8/6</a:t>
+              <a:t>2021/8/8</a:t>
             </a:fld>
             <a:endParaRPr kumimoji="1" lang="zh-CN" altLang="en-US"/>
           </a:p>
@@ -2384,7 +2384,7 @@
           <a:p>
             <a:fld id="{077DBB04-3226-F24F-BB25-0A802932BE86}" type="datetimeFigureOut">
               <a:rPr kumimoji="1" lang="zh-CN" altLang="en-US" smtClean="0"/>
-              <a:t>2021/8/6</a:t>
+              <a:t>2021/8/8</a:t>
             </a:fld>
             <a:endParaRPr kumimoji="1" lang="zh-CN" altLang="en-US"/>
           </a:p>
@@ -2672,7 +2672,7 @@
           <a:p>
             <a:fld id="{077DBB04-3226-F24F-BB25-0A802932BE86}" type="datetimeFigureOut">
               <a:rPr kumimoji="1" lang="zh-CN" altLang="en-US" smtClean="0"/>
-              <a:t>2021/8/6</a:t>
+              <a:t>2021/8/8</a:t>
             </a:fld>
             <a:endParaRPr kumimoji="1" lang="zh-CN" altLang="en-US"/>
           </a:p>
@@ -2913,7 +2913,7 @@
           <a:p>
             <a:fld id="{077DBB04-3226-F24F-BB25-0A802932BE86}" type="datetimeFigureOut">
               <a:rPr kumimoji="1" lang="zh-CN" altLang="en-US" smtClean="0"/>
-              <a:t>2021/8/6</a:t>
+              <a:t>2021/8/8</a:t>
             </a:fld>
             <a:endParaRPr kumimoji="1" lang="zh-CN" altLang="en-US"/>
           </a:p>
@@ -4746,7 +4746,7 @@
           <p:nvPr>
             <p:extLst>
               <p:ext uri="{D42A27DB-BD31-4B8C-83A1-F6EECF244321}">
-                <p14:modId xmlns:p14="http://schemas.microsoft.com/office/powerpoint/2010/main" val="984184019"/>
+                <p14:modId xmlns:p14="http://schemas.microsoft.com/office/powerpoint/2010/main" val="316663137"/>
               </p:ext>
             </p:extLst>
           </p:nvPr>
@@ -5115,6 +5115,13 @@
                     <a:bodyPr/>
                     <a:lstStyle/>
                     <a:p>
+                      <a:r>
+                        <a:rPr lang="en-US" altLang="zh-CN" dirty="0">
+                          <a:latin typeface="Times New Roman" panose="02020603050405020304" pitchFamily="18" charset="0"/>
+                          <a:cs typeface="Times New Roman" panose="02020603050405020304" pitchFamily="18" charset="0"/>
+                        </a:rPr>
+                        <a:t>37088</a:t>
+                      </a:r>
                       <a:endParaRPr lang="zh-CN" altLang="en-US" dirty="0">
                         <a:latin typeface="Times New Roman" panose="02020603050405020304" pitchFamily="18" charset="0"/>
                         <a:cs typeface="Times New Roman" panose="02020603050405020304" pitchFamily="18" charset="0"/>
@@ -5128,6 +5135,13 @@
                     <a:bodyPr/>
                     <a:lstStyle/>
                     <a:p>
+                      <a:r>
+                        <a:rPr lang="en-US" altLang="zh-CN" dirty="0">
+                          <a:latin typeface="Times New Roman" panose="02020603050405020304" pitchFamily="18" charset="0"/>
+                          <a:cs typeface="Times New Roman" panose="02020603050405020304" pitchFamily="18" charset="0"/>
+                        </a:rPr>
+                        <a:t>36899</a:t>
+                      </a:r>
                       <a:endParaRPr lang="zh-CN" altLang="en-US" dirty="0">
                         <a:latin typeface="Times New Roman" panose="02020603050405020304" pitchFamily="18" charset="0"/>
                         <a:cs typeface="Times New Roman" panose="02020603050405020304" pitchFamily="18" charset="0"/>
@@ -5141,6 +5155,13 @@
                     <a:bodyPr/>
                     <a:lstStyle/>
                     <a:p>
+                      <a:r>
+                        <a:rPr lang="en-US" altLang="zh-CN" dirty="0">
+                          <a:latin typeface="Times New Roman" panose="02020603050405020304" pitchFamily="18" charset="0"/>
+                          <a:cs typeface="Times New Roman" panose="02020603050405020304" pitchFamily="18" charset="0"/>
+                        </a:rPr>
+                        <a:t>35905</a:t>
+                      </a:r>
                       <a:endParaRPr lang="zh-CN" altLang="en-US" dirty="0">
                         <a:latin typeface="Times New Roman" panose="02020603050405020304" pitchFamily="18" charset="0"/>
                         <a:cs typeface="Times New Roman" panose="02020603050405020304" pitchFamily="18" charset="0"/>
@@ -5154,6 +5175,13 @@
                     <a:bodyPr/>
                     <a:lstStyle/>
                     <a:p>
+                      <a:r>
+                        <a:rPr lang="en-US" altLang="zh-CN" dirty="0">
+                          <a:latin typeface="Times New Roman" panose="02020603050405020304" pitchFamily="18" charset="0"/>
+                          <a:cs typeface="Times New Roman" panose="02020603050405020304" pitchFamily="18" charset="0"/>
+                        </a:rPr>
+                        <a:t>31757</a:t>
+                      </a:r>
                       <a:endParaRPr lang="zh-CN" altLang="en-US" dirty="0">
                         <a:latin typeface="Times New Roman" panose="02020603050405020304" pitchFamily="18" charset="0"/>
                         <a:cs typeface="Times New Roman" panose="02020603050405020304" pitchFamily="18" charset="0"/>
@@ -5167,6 +5195,13 @@
                     <a:bodyPr/>
                     <a:lstStyle/>
                     <a:p>
+                      <a:r>
+                        <a:rPr lang="en-US" altLang="zh-CN">
+                          <a:latin typeface="Times New Roman" panose="02020603050405020304" pitchFamily="18" charset="0"/>
+                          <a:cs typeface="Times New Roman" panose="02020603050405020304" pitchFamily="18" charset="0"/>
+                        </a:rPr>
+                        <a:t>20889</a:t>
+                      </a:r>
                       <a:endParaRPr lang="zh-CN" altLang="en-US" dirty="0">
                         <a:latin typeface="Times New Roman" panose="02020603050405020304" pitchFamily="18" charset="0"/>
                         <a:cs typeface="Times New Roman" panose="02020603050405020304" pitchFamily="18" charset="0"/>
@@ -5247,6 +5282,29 @@
                     <a:bodyPr/>
                     <a:lstStyle/>
                     <a:p>
+                      <a:r>
+                        <a:rPr lang="en-US" altLang="zh-CN" dirty="0">
+                          <a:latin typeface="Times New Roman" panose="02020603050405020304" pitchFamily="18" charset="0"/>
+                          <a:cs typeface="Times New Roman" panose="02020603050405020304" pitchFamily="18" charset="0"/>
+                        </a:rPr>
+                        <a:t>43456</a:t>
+                      </a:r>
+                    </a:p>
+                  </a:txBody>
+                  <a:tcPr/>
+                </a:tc>
+                <a:tc>
+                  <a:txBody>
+                    <a:bodyPr/>
+                    <a:lstStyle/>
+                    <a:p>
+                      <a:r>
+                        <a:rPr lang="en-US" altLang="zh-CN" dirty="0">
+                          <a:latin typeface="Times New Roman" panose="02020603050405020304" pitchFamily="18" charset="0"/>
+                          <a:cs typeface="Times New Roman" panose="02020603050405020304" pitchFamily="18" charset="0"/>
+                        </a:rPr>
+                        <a:t>37722</a:t>
+                      </a:r>
                       <a:endParaRPr lang="zh-CN" altLang="en-US" dirty="0">
                         <a:latin typeface="Times New Roman" panose="02020603050405020304" pitchFamily="18" charset="0"/>
                         <a:cs typeface="Times New Roman" panose="02020603050405020304" pitchFamily="18" charset="0"/>
@@ -5260,6 +5318,13 @@
                     <a:bodyPr/>
                     <a:lstStyle/>
                     <a:p>
+                      <a:r>
+                        <a:rPr lang="en-US" altLang="zh-CN" dirty="0">
+                          <a:latin typeface="Times New Roman" panose="02020603050405020304" pitchFamily="18" charset="0"/>
+                          <a:cs typeface="Times New Roman" panose="02020603050405020304" pitchFamily="18" charset="0"/>
+                        </a:rPr>
+                        <a:t>31037</a:t>
+                      </a:r>
                       <a:endParaRPr lang="zh-CN" altLang="en-US" dirty="0">
                         <a:latin typeface="Times New Roman" panose="02020603050405020304" pitchFamily="18" charset="0"/>
                         <a:cs typeface="Times New Roman" panose="02020603050405020304" pitchFamily="18" charset="0"/>
@@ -5273,6 +5338,13 @@
                     <a:bodyPr/>
                     <a:lstStyle/>
                     <a:p>
+                      <a:r>
+                        <a:rPr lang="en-US" altLang="zh-CN" dirty="0">
+                          <a:latin typeface="Times New Roman" panose="02020603050405020304" pitchFamily="18" charset="0"/>
+                          <a:cs typeface="Times New Roman" panose="02020603050405020304" pitchFamily="18" charset="0"/>
+                        </a:rPr>
+                        <a:t>28102</a:t>
+                      </a:r>
                       <a:endParaRPr lang="zh-CN" altLang="en-US" dirty="0">
                         <a:latin typeface="Times New Roman" panose="02020603050405020304" pitchFamily="18" charset="0"/>
                         <a:cs typeface="Times New Roman" panose="02020603050405020304" pitchFamily="18" charset="0"/>
@@ -5286,19 +5358,13 @@
                     <a:bodyPr/>
                     <a:lstStyle/>
                     <a:p>
-                      <a:endParaRPr lang="zh-CN" altLang="en-US" dirty="0">
-                        <a:latin typeface="Times New Roman" panose="02020603050405020304" pitchFamily="18" charset="0"/>
-                        <a:cs typeface="Times New Roman" panose="02020603050405020304" pitchFamily="18" charset="0"/>
-                      </a:endParaRPr>
-                    </a:p>
-                  </a:txBody>
-                  <a:tcPr/>
-                </a:tc>
-                <a:tc>
-                  <a:txBody>
-                    <a:bodyPr/>
-                    <a:lstStyle/>
-                    <a:p>
+                      <a:r>
+                        <a:rPr lang="en-US" altLang="zh-CN" dirty="0">
+                          <a:latin typeface="Times New Roman" panose="02020603050405020304" pitchFamily="18" charset="0"/>
+                          <a:cs typeface="Times New Roman" panose="02020603050405020304" pitchFamily="18" charset="0"/>
+                        </a:rPr>
+                        <a:t>25129</a:t>
+                      </a:r>
                       <a:endParaRPr lang="zh-CN" altLang="en-US" dirty="0">
                         <a:latin typeface="Times New Roman" panose="02020603050405020304" pitchFamily="18" charset="0"/>
                         <a:cs typeface="Times New Roman" panose="02020603050405020304" pitchFamily="18" charset="0"/>
@@ -5379,6 +5445,13 @@
                     <a:bodyPr/>
                     <a:lstStyle/>
                     <a:p>
+                      <a:r>
+                        <a:rPr lang="en-US" altLang="zh-CN" dirty="0">
+                          <a:latin typeface="Times New Roman" panose="02020603050405020304" pitchFamily="18" charset="0"/>
+                          <a:cs typeface="Times New Roman" panose="02020603050405020304" pitchFamily="18" charset="0"/>
+                        </a:rPr>
+                        <a:t>40966</a:t>
+                      </a:r>
                       <a:endParaRPr lang="zh-CN" altLang="en-US" dirty="0">
                         <a:latin typeface="Times New Roman" panose="02020603050405020304" pitchFamily="18" charset="0"/>
                         <a:cs typeface="Times New Roman" panose="02020603050405020304" pitchFamily="18" charset="0"/>
@@ -5392,6 +5465,13 @@
                     <a:bodyPr/>
                     <a:lstStyle/>
                     <a:p>
+                      <a:r>
+                        <a:rPr lang="en-US" altLang="zh-CN" dirty="0">
+                          <a:latin typeface="Times New Roman" panose="02020603050405020304" pitchFamily="18" charset="0"/>
+                          <a:cs typeface="Times New Roman" panose="02020603050405020304" pitchFamily="18" charset="0"/>
+                        </a:rPr>
+                        <a:t>34707</a:t>
+                      </a:r>
                       <a:endParaRPr lang="zh-CN" altLang="en-US" dirty="0">
                         <a:latin typeface="Times New Roman" panose="02020603050405020304" pitchFamily="18" charset="0"/>
                         <a:cs typeface="Times New Roman" panose="02020603050405020304" pitchFamily="18" charset="0"/>
@@ -5405,6 +5485,13 @@
                     <a:bodyPr/>
                     <a:lstStyle/>
                     <a:p>
+                      <a:r>
+                        <a:rPr lang="en-US" altLang="zh-CN" dirty="0">
+                          <a:latin typeface="Times New Roman" panose="02020603050405020304" pitchFamily="18" charset="0"/>
+                          <a:cs typeface="Times New Roman" panose="02020603050405020304" pitchFamily="18" charset="0"/>
+                        </a:rPr>
+                        <a:t>32429</a:t>
+                      </a:r>
                       <a:endParaRPr lang="zh-CN" altLang="en-US" dirty="0">
                         <a:latin typeface="Times New Roman" panose="02020603050405020304" pitchFamily="18" charset="0"/>
                         <a:cs typeface="Times New Roman" panose="02020603050405020304" pitchFamily="18" charset="0"/>
@@ -5418,6 +5505,13 @@
                     <a:bodyPr/>
                     <a:lstStyle/>
                     <a:p>
+                      <a:r>
+                        <a:rPr lang="en-US" altLang="zh-CN" dirty="0">
+                          <a:latin typeface="Times New Roman" panose="02020603050405020304" pitchFamily="18" charset="0"/>
+                          <a:cs typeface="Times New Roman" panose="02020603050405020304" pitchFamily="18" charset="0"/>
+                        </a:rPr>
+                        <a:t>28479</a:t>
+                      </a:r>
                       <a:endParaRPr lang="zh-CN" altLang="en-US" dirty="0">
                         <a:latin typeface="Times New Roman" panose="02020603050405020304" pitchFamily="18" charset="0"/>
                         <a:cs typeface="Times New Roman" panose="02020603050405020304" pitchFamily="18" charset="0"/>
@@ -5431,6 +5525,13 @@
                     <a:bodyPr/>
                     <a:lstStyle/>
                     <a:p>
+                      <a:r>
+                        <a:rPr lang="en-US" altLang="zh-CN" dirty="0">
+                          <a:latin typeface="Times New Roman" panose="02020603050405020304" pitchFamily="18" charset="0"/>
+                          <a:cs typeface="Times New Roman" panose="02020603050405020304" pitchFamily="18" charset="0"/>
+                        </a:rPr>
+                        <a:t>25859</a:t>
+                      </a:r>
                       <a:endParaRPr lang="zh-CN" altLang="en-US" dirty="0">
                         <a:latin typeface="Times New Roman" panose="02020603050405020304" pitchFamily="18" charset="0"/>
                         <a:cs typeface="Times New Roman" panose="02020603050405020304" pitchFamily="18" charset="0"/>
@@ -6172,8 +6273,8 @@
           </a:prstGeom>
         </p:spPr>
       </p:pic>
-      <mc:AlternateContent xmlns:mc="http://schemas.openxmlformats.org/markup-compatibility/2006">
-        <mc:Choice xmlns:a14="http://schemas.microsoft.com/office/drawing/2010/main" Requires="a14">
+      <mc:AlternateContent xmlns:mc="http://schemas.openxmlformats.org/markup-compatibility/2006" xmlns:a14="http://schemas.microsoft.com/office/drawing/2010/main">
+        <mc:Choice Requires="a14">
           <p:sp>
             <p:nvSpPr>
               <p:cNvPr id="5" name="文本框 4">
@@ -6365,7 +6466,7 @@
             </p:txBody>
           </p:sp>
         </mc:Choice>
-        <mc:Fallback>
+        <mc:Fallback xmlns="">
           <p:sp>
             <p:nvSpPr>
               <p:cNvPr id="5" name="文本框 4">

--- a/note/Technical-Note.pptx
+++ b/note/Technical-Note.pptx
@@ -10,6 +10,7 @@
     <p:sldId id="258" r:id="rId4"/>
     <p:sldId id="259" r:id="rId5"/>
     <p:sldId id="260" r:id="rId6"/>
+    <p:sldId id="261" r:id="rId7"/>
   </p:sldIdLst>
   <p:sldSz cx="12192000" cy="6858000"/>
   <p:notesSz cx="6858000" cy="9144000"/>
@@ -263,7 +264,7 @@
           <a:p>
             <a:fld id="{077DBB04-3226-F24F-BB25-0A802932BE86}" type="datetimeFigureOut">
               <a:rPr kumimoji="1" lang="zh-CN" altLang="en-US" smtClean="0"/>
-              <a:t>2021/8/8</a:t>
+              <a:t>2021/9/3</a:t>
             </a:fld>
             <a:endParaRPr kumimoji="1" lang="zh-CN" altLang="en-US"/>
           </a:p>
@@ -461,7 +462,7 @@
           <a:p>
             <a:fld id="{077DBB04-3226-F24F-BB25-0A802932BE86}" type="datetimeFigureOut">
               <a:rPr kumimoji="1" lang="zh-CN" altLang="en-US" smtClean="0"/>
-              <a:t>2021/8/8</a:t>
+              <a:t>2021/9/3</a:t>
             </a:fld>
             <a:endParaRPr kumimoji="1" lang="zh-CN" altLang="en-US"/>
           </a:p>
@@ -669,7 +670,7 @@
           <a:p>
             <a:fld id="{077DBB04-3226-F24F-BB25-0A802932BE86}" type="datetimeFigureOut">
               <a:rPr kumimoji="1" lang="zh-CN" altLang="en-US" smtClean="0"/>
-              <a:t>2021/8/8</a:t>
+              <a:t>2021/9/3</a:t>
             </a:fld>
             <a:endParaRPr kumimoji="1" lang="zh-CN" altLang="en-US"/>
           </a:p>
@@ -867,7 +868,7 @@
           <a:p>
             <a:fld id="{077DBB04-3226-F24F-BB25-0A802932BE86}" type="datetimeFigureOut">
               <a:rPr kumimoji="1" lang="zh-CN" altLang="en-US" smtClean="0"/>
-              <a:t>2021/8/8</a:t>
+              <a:t>2021/9/3</a:t>
             </a:fld>
             <a:endParaRPr kumimoji="1" lang="zh-CN" altLang="en-US"/>
           </a:p>
@@ -1142,7 +1143,7 @@
           <a:p>
             <a:fld id="{077DBB04-3226-F24F-BB25-0A802932BE86}" type="datetimeFigureOut">
               <a:rPr kumimoji="1" lang="zh-CN" altLang="en-US" smtClean="0"/>
-              <a:t>2021/8/8</a:t>
+              <a:t>2021/9/3</a:t>
             </a:fld>
             <a:endParaRPr kumimoji="1" lang="zh-CN" altLang="en-US"/>
           </a:p>
@@ -1407,7 +1408,7 @@
           <a:p>
             <a:fld id="{077DBB04-3226-F24F-BB25-0A802932BE86}" type="datetimeFigureOut">
               <a:rPr kumimoji="1" lang="zh-CN" altLang="en-US" smtClean="0"/>
-              <a:t>2021/8/8</a:t>
+              <a:t>2021/9/3</a:t>
             </a:fld>
             <a:endParaRPr kumimoji="1" lang="zh-CN" altLang="en-US"/>
           </a:p>
@@ -1819,7 +1820,7 @@
           <a:p>
             <a:fld id="{077DBB04-3226-F24F-BB25-0A802932BE86}" type="datetimeFigureOut">
               <a:rPr kumimoji="1" lang="zh-CN" altLang="en-US" smtClean="0"/>
-              <a:t>2021/8/8</a:t>
+              <a:t>2021/9/3</a:t>
             </a:fld>
             <a:endParaRPr kumimoji="1" lang="zh-CN" altLang="en-US"/>
           </a:p>
@@ -1960,7 +1961,7 @@
           <a:p>
             <a:fld id="{077DBB04-3226-F24F-BB25-0A802932BE86}" type="datetimeFigureOut">
               <a:rPr kumimoji="1" lang="zh-CN" altLang="en-US" smtClean="0"/>
-              <a:t>2021/8/8</a:t>
+              <a:t>2021/9/3</a:t>
             </a:fld>
             <a:endParaRPr kumimoji="1" lang="zh-CN" altLang="en-US"/>
           </a:p>
@@ -2073,7 +2074,7 @@
           <a:p>
             <a:fld id="{077DBB04-3226-F24F-BB25-0A802932BE86}" type="datetimeFigureOut">
               <a:rPr kumimoji="1" lang="zh-CN" altLang="en-US" smtClean="0"/>
-              <a:t>2021/8/8</a:t>
+              <a:t>2021/9/3</a:t>
             </a:fld>
             <a:endParaRPr kumimoji="1" lang="zh-CN" altLang="en-US"/>
           </a:p>
@@ -2384,7 +2385,7 @@
           <a:p>
             <a:fld id="{077DBB04-3226-F24F-BB25-0A802932BE86}" type="datetimeFigureOut">
               <a:rPr kumimoji="1" lang="zh-CN" altLang="en-US" smtClean="0"/>
-              <a:t>2021/8/8</a:t>
+              <a:t>2021/9/3</a:t>
             </a:fld>
             <a:endParaRPr kumimoji="1" lang="zh-CN" altLang="en-US"/>
           </a:p>
@@ -2672,7 +2673,7 @@
           <a:p>
             <a:fld id="{077DBB04-3226-F24F-BB25-0A802932BE86}" type="datetimeFigureOut">
               <a:rPr kumimoji="1" lang="zh-CN" altLang="en-US" smtClean="0"/>
-              <a:t>2021/8/8</a:t>
+              <a:t>2021/9/3</a:t>
             </a:fld>
             <a:endParaRPr kumimoji="1" lang="zh-CN" altLang="en-US"/>
           </a:p>
@@ -2913,7 +2914,7 @@
           <a:p>
             <a:fld id="{077DBB04-3226-F24F-BB25-0A802932BE86}" type="datetimeFigureOut">
               <a:rPr kumimoji="1" lang="zh-CN" altLang="en-US" smtClean="0"/>
-              <a:t>2021/8/8</a:t>
+              <a:t>2021/9/3</a:t>
             </a:fld>
             <a:endParaRPr kumimoji="1" lang="zh-CN" altLang="en-US"/>
           </a:p>
@@ -6148,7 +6149,7 @@
         </p:nvSpPr>
         <p:spPr>
           <a:xfrm>
-            <a:off x="1429794" y="1197819"/>
+            <a:off x="1427911" y="1275093"/>
             <a:ext cx="8312920" cy="1477328"/>
           </a:xfrm>
           <a:prstGeom prst="rect">
@@ -6515,6 +6516,957 @@
     <p:extLst>
       <p:ext uri="{BB962C8B-B14F-4D97-AF65-F5344CB8AC3E}">
         <p14:creationId xmlns:p14="http://schemas.microsoft.com/office/powerpoint/2010/main" val="3541249618"/>
+      </p:ext>
+    </p:extLst>
+  </p:cSld>
+  <p:clrMapOvr>
+    <a:masterClrMapping/>
+  </p:clrMapOvr>
+</p:sld>
+</file>
+
+<file path=ppt/slides/slide6.xml><?xml version="1.0" encoding="utf-8"?>
+<p:sld xmlns:a="http://schemas.openxmlformats.org/drawingml/2006/main" xmlns:r="http://schemas.openxmlformats.org/officeDocument/2006/relationships" xmlns:p="http://schemas.openxmlformats.org/presentationml/2006/main">
+  <p:cSld>
+    <p:spTree>
+      <p:nvGrpSpPr>
+        <p:cNvPr id="1" name=""/>
+        <p:cNvGrpSpPr/>
+        <p:nvPr/>
+      </p:nvGrpSpPr>
+      <p:grpSpPr>
+        <a:xfrm>
+          <a:off x="0" y="0"/>
+          <a:ext cx="0" cy="0"/>
+          <a:chOff x="0" y="0"/>
+          <a:chExt cx="0" cy="0"/>
+        </a:xfrm>
+      </p:grpSpPr>
+      <p:sp>
+        <p:nvSpPr>
+          <p:cNvPr id="2" name="标题 1">
+            <a:extLst>
+              <a:ext uri="{FF2B5EF4-FFF2-40B4-BE49-F238E27FC236}">
+                <a16:creationId xmlns:a16="http://schemas.microsoft.com/office/drawing/2014/main" id="{491BB44B-1500-AB4C-91BE-312C68B1A52C}"/>
+              </a:ext>
+            </a:extLst>
+          </p:cNvPr>
+          <p:cNvSpPr>
+            <a:spLocks noGrp="1"/>
+          </p:cNvSpPr>
+          <p:nvPr>
+            <p:ph type="title"/>
+          </p:nvPr>
+        </p:nvSpPr>
+        <p:spPr>
+          <a:xfrm>
+            <a:off x="154547" y="271171"/>
+            <a:ext cx="6348211" cy="690943"/>
+          </a:xfrm>
+        </p:spPr>
+        <p:txBody>
+          <a:bodyPr>
+            <a:normAutofit/>
+          </a:bodyPr>
+          <a:lstStyle/>
+          <a:p>
+            <a:r>
+              <a:rPr kumimoji="1" lang="en-US" altLang="zh-CN" sz="3600" dirty="0">
+                <a:latin typeface="Palatino" pitchFamily="2" charset="0"/>
+                <a:ea typeface="Palatino" pitchFamily="2" charset="0"/>
+              </a:rPr>
+              <a:t>two site update MPI test</a:t>
+            </a:r>
+            <a:endParaRPr kumimoji="1" lang="zh-CN" altLang="en-US" sz="3600" dirty="0">
+              <a:latin typeface="Palatino" pitchFamily="2" charset="0"/>
+              <a:ea typeface="Palatino" pitchFamily="2" charset="0"/>
+            </a:endParaRPr>
+          </a:p>
+        </p:txBody>
+      </p:sp>
+      <mc:AlternateContent xmlns:mc="http://schemas.openxmlformats.org/markup-compatibility/2006" xmlns:a14="http://schemas.microsoft.com/office/drawing/2010/main">
+        <mc:Choice Requires="a14">
+          <p:sp>
+            <p:nvSpPr>
+              <p:cNvPr id="4" name="文本框 3">
+                <a:extLst>
+                  <a:ext uri="{FF2B5EF4-FFF2-40B4-BE49-F238E27FC236}">
+                    <a16:creationId xmlns:a16="http://schemas.microsoft.com/office/drawing/2014/main" id="{540EB505-DF0D-3449-8CA6-E7BC2F1F6174}"/>
+                  </a:ext>
+                </a:extLst>
+              </p:cNvPr>
+              <p:cNvSpPr txBox="1"/>
+              <p:nvPr/>
+            </p:nvSpPr>
+            <p:spPr>
+              <a:xfrm>
+                <a:off x="1017431" y="1147226"/>
+                <a:ext cx="8023538" cy="1200329"/>
+              </a:xfrm>
+              <a:prstGeom prst="rect">
+                <a:avLst/>
+              </a:prstGeom>
+              <a:noFill/>
+            </p:spPr>
+            <p:txBody>
+              <a:bodyPr wrap="square" rtlCol="0">
+                <a:spAutoFit/>
+              </a:bodyPr>
+              <a:lstStyle/>
+              <a:p>
+                <a:r>
+                  <a:rPr kumimoji="1" lang="en-US" altLang="zh-CN" dirty="0">
+                    <a:latin typeface="Times New Roman" panose="02020603050405020304" pitchFamily="18" charset="0"/>
+                    <a:cs typeface="Times New Roman" panose="02020603050405020304" pitchFamily="18" charset="0"/>
+                  </a:rPr>
+                  <a:t>Model: hopping square model, </a:t>
+                </a:r>
+                <a14:m>
+                  <m:oMath xmlns:m="http://schemas.openxmlformats.org/officeDocument/2006/math">
+                    <m:r>
+                      <a:rPr kumimoji="1" lang="en-US" altLang="zh-CN" b="0" i="1" smtClean="0">
+                        <a:latin typeface="Cambria Math" panose="02040503050406030204" pitchFamily="18" charset="0"/>
+                        <a:cs typeface="Times New Roman" panose="02020603050405020304" pitchFamily="18" charset="0"/>
+                      </a:rPr>
+                      <m:t>𝜆</m:t>
+                    </m:r>
+                    <m:r>
+                      <a:rPr kumimoji="1" lang="en-US" altLang="zh-CN" b="0" i="1" smtClean="0">
+                        <a:latin typeface="Cambria Math" panose="02040503050406030204" pitchFamily="18" charset="0"/>
+                        <a:cs typeface="Times New Roman" panose="02020603050405020304" pitchFamily="18" charset="0"/>
+                      </a:rPr>
+                      <m:t>=0.3</m:t>
+                    </m:r>
+                  </m:oMath>
+                </a14:m>
+                <a:endParaRPr kumimoji="1" lang="en-US" altLang="zh-CN" dirty="0">
+                  <a:latin typeface="Times New Roman" panose="02020603050405020304" pitchFamily="18" charset="0"/>
+                  <a:cs typeface="Times New Roman" panose="02020603050405020304" pitchFamily="18" charset="0"/>
+                </a:endParaRPr>
+              </a:p>
+              <a:p>
+                <a:r>
+                  <a:rPr kumimoji="1" lang="en-US" altLang="zh-CN" dirty="0">
+                    <a:latin typeface="Times New Roman" panose="02020603050405020304" pitchFamily="18" charset="0"/>
+                    <a:cs typeface="Times New Roman" panose="02020603050405020304" pitchFamily="18" charset="0"/>
+                  </a:rPr>
+                  <a:t>System size: </a:t>
+                </a:r>
+                <a14:m>
+                  <m:oMath xmlns:m="http://schemas.openxmlformats.org/officeDocument/2006/math">
+                    <m:r>
+                      <a:rPr kumimoji="1" lang="en-US" altLang="zh-CN" b="0" i="1" smtClean="0">
+                        <a:latin typeface="Cambria Math" panose="02040503050406030204" pitchFamily="18" charset="0"/>
+                      </a:rPr>
+                      <m:t>4×48</m:t>
+                    </m:r>
+                  </m:oMath>
+                </a14:m>
+                <a:endParaRPr kumimoji="1" lang="en-US" altLang="zh-CN" dirty="0">
+                  <a:latin typeface="Times New Roman" panose="02020603050405020304" pitchFamily="18" charset="0"/>
+                  <a:cs typeface="Times New Roman" panose="02020603050405020304" pitchFamily="18" charset="0"/>
+                </a:endParaRPr>
+              </a:p>
+              <a:p>
+                <a:r>
+                  <a:rPr kumimoji="1" lang="en-US" altLang="zh-CN" dirty="0">
+                    <a:latin typeface="Times New Roman" panose="02020603050405020304" pitchFamily="18" charset="0"/>
+                    <a:cs typeface="Times New Roman" panose="02020603050405020304" pitchFamily="18" charset="0"/>
+                  </a:rPr>
+                  <a:t>Bond dimension: 10000(come from 8000)</a:t>
+                </a:r>
+              </a:p>
+              <a:p>
+                <a:r>
+                  <a:rPr kumimoji="1" lang="en-US" altLang="zh-CN" dirty="0">
+                    <a:latin typeface="Times New Roman" panose="02020603050405020304" pitchFamily="18" charset="0"/>
+                    <a:cs typeface="Times New Roman" panose="02020603050405020304" pitchFamily="18" charset="0"/>
+                  </a:rPr>
+                  <a:t>HPC: </a:t>
+                </a:r>
+                <a:r>
+                  <a:rPr kumimoji="1" lang="en-US" altLang="zh-CN" dirty="0" err="1">
+                    <a:latin typeface="Times New Roman" panose="02020603050405020304" pitchFamily="18" charset="0"/>
+                    <a:cs typeface="Times New Roman" panose="02020603050405020304" pitchFamily="18" charset="0"/>
+                  </a:rPr>
+                  <a:t>paracloud@bscc-t</a:t>
+                </a:r>
+                <a:r>
+                  <a:rPr kumimoji="1" lang="en-US" altLang="zh-CN" dirty="0">
+                    <a:latin typeface="Times New Roman" panose="02020603050405020304" pitchFamily="18" charset="0"/>
+                    <a:cs typeface="Times New Roman" panose="02020603050405020304" pitchFamily="18" charset="0"/>
+                  </a:rPr>
+                  <a:t>(CPU: Intel, MEM: 384G, 96 core)</a:t>
+                </a:r>
+              </a:p>
+            </p:txBody>
+          </p:sp>
+        </mc:Choice>
+        <mc:Fallback xmlns="">
+          <p:sp>
+            <p:nvSpPr>
+              <p:cNvPr id="4" name="文本框 3">
+                <a:extLst>
+                  <a:ext uri="{FF2B5EF4-FFF2-40B4-BE49-F238E27FC236}">
+                    <a16:creationId xmlns:a16="http://schemas.microsoft.com/office/drawing/2014/main" id="{540EB505-DF0D-3449-8CA6-E7BC2F1F6174}"/>
+                  </a:ext>
+                </a:extLst>
+              </p:cNvPr>
+              <p:cNvSpPr txBox="1">
+                <a:spLocks noRot="1" noChangeAspect="1" noMove="1" noResize="1" noEditPoints="1" noAdjustHandles="1" noChangeArrowheads="1" noChangeShapeType="1" noTextEdit="1"/>
+              </p:cNvSpPr>
+              <p:nvPr/>
+            </p:nvSpPr>
+            <p:spPr>
+              <a:xfrm>
+                <a:off x="1017431" y="1147226"/>
+                <a:ext cx="8023538" cy="1200329"/>
+              </a:xfrm>
+              <a:prstGeom prst="rect">
+                <a:avLst/>
+              </a:prstGeom>
+              <a:blipFill>
+                <a:blip r:embed="rId2"/>
+                <a:stretch>
+                  <a:fillRect l="-791" t="-2105" b="-7368"/>
+                </a:stretch>
+              </a:blipFill>
+            </p:spPr>
+            <p:txBody>
+              <a:bodyPr/>
+              <a:lstStyle/>
+              <a:p>
+                <a:r>
+                  <a:rPr lang="zh-CN" altLang="en-US">
+                    <a:noFill/>
+                  </a:rPr>
+                  <a:t> </a:t>
+                </a:r>
+              </a:p>
+            </p:txBody>
+          </p:sp>
+        </mc:Fallback>
+      </mc:AlternateContent>
+      <p:graphicFrame>
+        <p:nvGraphicFramePr>
+          <p:cNvPr id="5" name="表格 5">
+            <a:extLst>
+              <a:ext uri="{FF2B5EF4-FFF2-40B4-BE49-F238E27FC236}">
+                <a16:creationId xmlns:a16="http://schemas.microsoft.com/office/drawing/2014/main" id="{6EAA606F-EFAA-DB46-9A6D-C1B35F1F82F8}"/>
+              </a:ext>
+            </a:extLst>
+          </p:cNvPr>
+          <p:cNvGraphicFramePr>
+            <a:graphicFrameLocks noGrp="1"/>
+          </p:cNvGraphicFramePr>
+          <p:nvPr>
+            <p:extLst>
+              <p:ext uri="{D42A27DB-BD31-4B8C-83A1-F6EECF244321}">
+                <p14:modId xmlns:p14="http://schemas.microsoft.com/office/powerpoint/2010/main" val="2603822918"/>
+              </p:ext>
+            </p:extLst>
+          </p:nvPr>
+        </p:nvGraphicFramePr>
+        <p:xfrm>
+          <a:off x="1017431" y="2566833"/>
+          <a:ext cx="8886422" cy="3572213"/>
+        </p:xfrm>
+        <a:graphic>
+          <a:graphicData uri="http://schemas.openxmlformats.org/drawingml/2006/table">
+            <a:tbl>
+              <a:tblPr firstRow="1" bandRow="1">
+                <a:tableStyleId>{5C22544A-7EE6-4342-B048-85BDC9FD1C3A}</a:tableStyleId>
+              </a:tblPr>
+              <a:tblGrid>
+                <a:gridCol w="1283440">
+                  <a:extLst>
+                    <a:ext uri="{9D8B030D-6E8A-4147-A177-3AD203B41FA5}">
+                      <a16:colId xmlns:a16="http://schemas.microsoft.com/office/drawing/2014/main" val="2603635950"/>
+                    </a:ext>
+                  </a:extLst>
+                </a:gridCol>
+                <a:gridCol w="1046281">
+                  <a:extLst>
+                    <a:ext uri="{9D8B030D-6E8A-4147-A177-3AD203B41FA5}">
+                      <a16:colId xmlns:a16="http://schemas.microsoft.com/office/drawing/2014/main" val="1630367279"/>
+                    </a:ext>
+                  </a:extLst>
+                </a:gridCol>
+                <a:gridCol w="2152127">
+                  <a:extLst>
+                    <a:ext uri="{9D8B030D-6E8A-4147-A177-3AD203B41FA5}">
+                      <a16:colId xmlns:a16="http://schemas.microsoft.com/office/drawing/2014/main" val="1244519568"/>
+                    </a:ext>
+                  </a:extLst>
+                </a:gridCol>
+                <a:gridCol w="2325961">
+                  <a:extLst>
+                    <a:ext uri="{9D8B030D-6E8A-4147-A177-3AD203B41FA5}">
+                      <a16:colId xmlns:a16="http://schemas.microsoft.com/office/drawing/2014/main" val="3491636567"/>
+                    </a:ext>
+                  </a:extLst>
+                </a:gridCol>
+                <a:gridCol w="2078613">
+                  <a:extLst>
+                    <a:ext uri="{9D8B030D-6E8A-4147-A177-3AD203B41FA5}">
+                      <a16:colId xmlns:a16="http://schemas.microsoft.com/office/drawing/2014/main" val="1537263246"/>
+                    </a:ext>
+                  </a:extLst>
+                </a:gridCol>
+              </a:tblGrid>
+              <a:tr h="616517">
+                <a:tc>
+                  <a:txBody>
+                    <a:bodyPr/>
+                    <a:lstStyle/>
+                    <a:p>
+                      <a:r>
+                        <a:rPr lang="en-US" altLang="zh-CN" sz="2000" dirty="0">
+                          <a:latin typeface="Times New Roman" panose="02020603050405020304" pitchFamily="18" charset="0"/>
+                          <a:cs typeface="Times New Roman" panose="02020603050405020304" pitchFamily="18" charset="0"/>
+                        </a:rPr>
+                        <a:t>Num core</a:t>
+                      </a:r>
+                      <a:endParaRPr lang="zh-CN" altLang="en-US" sz="2000" dirty="0">
+                        <a:latin typeface="Times New Roman" panose="02020603050405020304" pitchFamily="18" charset="0"/>
+                        <a:cs typeface="Times New Roman" panose="02020603050405020304" pitchFamily="18" charset="0"/>
+                      </a:endParaRPr>
+                    </a:p>
+                  </a:txBody>
+                  <a:tcPr/>
+                </a:tc>
+                <a:tc>
+                  <a:txBody>
+                    <a:bodyPr/>
+                    <a:lstStyle/>
+                    <a:p>
+                      <a:r>
+                        <a:rPr lang="en-US" altLang="zh-CN" sz="2000" dirty="0">
+                          <a:latin typeface="Times New Roman" panose="02020603050405020304" pitchFamily="18" charset="0"/>
+                          <a:cs typeface="Times New Roman" panose="02020603050405020304" pitchFamily="18" charset="0"/>
+                        </a:rPr>
+                        <a:t>JOBID</a:t>
+                      </a:r>
+                      <a:endParaRPr lang="zh-CN" altLang="en-US" sz="2000" dirty="0">
+                        <a:latin typeface="Times New Roman" panose="02020603050405020304" pitchFamily="18" charset="0"/>
+                        <a:cs typeface="Times New Roman" panose="02020603050405020304" pitchFamily="18" charset="0"/>
+                      </a:endParaRPr>
+                    </a:p>
+                  </a:txBody>
+                  <a:tcPr/>
+                </a:tc>
+                <a:tc>
+                  <a:txBody>
+                    <a:bodyPr/>
+                    <a:lstStyle/>
+                    <a:p>
+                      <a:r>
+                        <a:rPr lang="en-US" altLang="zh-CN" sz="2000" dirty="0">
+                          <a:latin typeface="Times New Roman" panose="02020603050405020304" pitchFamily="18" charset="0"/>
+                          <a:cs typeface="Times New Roman" panose="02020603050405020304" pitchFamily="18" charset="0"/>
+                        </a:rPr>
+                        <a:t>Num thread</a:t>
+                      </a:r>
+                      <a:endParaRPr lang="zh-CN" altLang="en-US" sz="2000" dirty="0">
+                        <a:latin typeface="Times New Roman" panose="02020603050405020304" pitchFamily="18" charset="0"/>
+                        <a:cs typeface="Times New Roman" panose="02020603050405020304" pitchFamily="18" charset="0"/>
+                      </a:endParaRPr>
+                    </a:p>
+                  </a:txBody>
+                  <a:tcPr/>
+                </a:tc>
+                <a:tc>
+                  <a:txBody>
+                    <a:bodyPr/>
+                    <a:lstStyle/>
+                    <a:p>
+                      <a:r>
+                        <a:rPr lang="en-US" altLang="zh-CN" sz="2000" dirty="0">
+                          <a:latin typeface="Times New Roman" panose="02020603050405020304" pitchFamily="18" charset="0"/>
+                          <a:cs typeface="Times New Roman" panose="02020603050405020304" pitchFamily="18" charset="0"/>
+                        </a:rPr>
+                        <a:t>speed</a:t>
+                      </a:r>
+                      <a:endParaRPr lang="zh-CN" altLang="en-US" sz="2000" dirty="0">
+                        <a:latin typeface="Times New Roman" panose="02020603050405020304" pitchFamily="18" charset="0"/>
+                        <a:cs typeface="Times New Roman" panose="02020603050405020304" pitchFamily="18" charset="0"/>
+                      </a:endParaRPr>
+                    </a:p>
+                  </a:txBody>
+                  <a:tcPr/>
+                </a:tc>
+                <a:tc>
+                  <a:txBody>
+                    <a:bodyPr/>
+                    <a:lstStyle/>
+                    <a:p>
+                      <a:endParaRPr lang="zh-CN" altLang="en-US" sz="2000" dirty="0">
+                        <a:latin typeface="Times New Roman" panose="02020603050405020304" pitchFamily="18" charset="0"/>
+                        <a:cs typeface="Times New Roman" panose="02020603050405020304" pitchFamily="18" charset="0"/>
+                      </a:endParaRPr>
+                    </a:p>
+                  </a:txBody>
+                  <a:tcPr/>
+                </a:tc>
+                <a:extLst>
+                  <a:ext uri="{0D108BD9-81ED-4DB2-BD59-A6C34878D82A}">
+                    <a16:rowId xmlns:a16="http://schemas.microsoft.com/office/drawing/2014/main" val="1140407429"/>
+                  </a:ext>
+                </a:extLst>
+              </a:tr>
+              <a:tr h="517872">
+                <a:tc>
+                  <a:txBody>
+                    <a:bodyPr/>
+                    <a:lstStyle/>
+                    <a:p>
+                      <a:r>
+                        <a:rPr lang="en-US" altLang="zh-CN" sz="2000" dirty="0">
+                          <a:latin typeface="Times New Roman" panose="02020603050405020304" pitchFamily="18" charset="0"/>
+                          <a:cs typeface="Times New Roman" panose="02020603050405020304" pitchFamily="18" charset="0"/>
+                        </a:rPr>
+                        <a:t>4x48</a:t>
+                      </a:r>
+                      <a:endParaRPr lang="zh-CN" altLang="en-US" sz="2000" dirty="0">
+                        <a:latin typeface="Times New Roman" panose="02020603050405020304" pitchFamily="18" charset="0"/>
+                        <a:cs typeface="Times New Roman" panose="02020603050405020304" pitchFamily="18" charset="0"/>
+                      </a:endParaRPr>
+                    </a:p>
+                  </a:txBody>
+                  <a:tcPr/>
+                </a:tc>
+                <a:tc>
+                  <a:txBody>
+                    <a:bodyPr/>
+                    <a:lstStyle/>
+                    <a:p>
+                      <a:r>
+                        <a:rPr lang="en-US" altLang="zh-CN" sz="2000" dirty="0">
+                          <a:latin typeface="Times New Roman" panose="02020603050405020304" pitchFamily="18" charset="0"/>
+                          <a:cs typeface="Times New Roman" panose="02020603050405020304" pitchFamily="18" charset="0"/>
+                        </a:rPr>
+                        <a:t>382085</a:t>
+                      </a:r>
+                    </a:p>
+                  </a:txBody>
+                  <a:tcPr/>
+                </a:tc>
+                <a:tc>
+                  <a:txBody>
+                    <a:bodyPr/>
+                    <a:lstStyle/>
+                    <a:p>
+                      <a:r>
+                        <a:rPr lang="en-US" altLang="zh-CN" sz="2000" dirty="0">
+                          <a:latin typeface="Times New Roman" panose="02020603050405020304" pitchFamily="18" charset="0"/>
+                          <a:cs typeface="Times New Roman" panose="02020603050405020304" pitchFamily="18" charset="0"/>
+                        </a:rPr>
+                        <a:t>4x48</a:t>
+                      </a:r>
+                      <a:endParaRPr lang="zh-CN" altLang="en-US" sz="2000" dirty="0">
+                        <a:latin typeface="Times New Roman" panose="02020603050405020304" pitchFamily="18" charset="0"/>
+                        <a:cs typeface="Times New Roman" panose="02020603050405020304" pitchFamily="18" charset="0"/>
+                      </a:endParaRPr>
+                    </a:p>
+                  </a:txBody>
+                  <a:tcPr/>
+                </a:tc>
+                <a:tc>
+                  <a:txBody>
+                    <a:bodyPr/>
+                    <a:lstStyle/>
+                    <a:p>
+                      <a:r>
+                        <a:rPr lang="en-US" altLang="zh-CN" sz="2000" dirty="0">
+                          <a:latin typeface="Times New Roman" panose="02020603050405020304" pitchFamily="18" charset="0"/>
+                          <a:cs typeface="Times New Roman" panose="02020603050405020304" pitchFamily="18" charset="0"/>
+                        </a:rPr>
+                        <a:t>The most slower in parallel group</a:t>
+                      </a:r>
+                      <a:endParaRPr lang="zh-CN" altLang="en-US" sz="2000" dirty="0">
+                        <a:latin typeface="Times New Roman" panose="02020603050405020304" pitchFamily="18" charset="0"/>
+                        <a:cs typeface="Times New Roman" panose="02020603050405020304" pitchFamily="18" charset="0"/>
+                      </a:endParaRPr>
+                    </a:p>
+                  </a:txBody>
+                  <a:tcPr/>
+                </a:tc>
+                <a:tc>
+                  <a:txBody>
+                    <a:bodyPr/>
+                    <a:lstStyle/>
+                    <a:p>
+                      <a:endParaRPr lang="zh-CN" altLang="en-US" sz="2000" dirty="0">
+                        <a:latin typeface="Times New Roman" panose="02020603050405020304" pitchFamily="18" charset="0"/>
+                        <a:cs typeface="Times New Roman" panose="02020603050405020304" pitchFamily="18" charset="0"/>
+                      </a:endParaRPr>
+                    </a:p>
+                  </a:txBody>
+                  <a:tcPr/>
+                </a:tc>
+                <a:extLst>
+                  <a:ext uri="{0D108BD9-81ED-4DB2-BD59-A6C34878D82A}">
+                    <a16:rowId xmlns:a16="http://schemas.microsoft.com/office/drawing/2014/main" val="2733459114"/>
+                  </a:ext>
+                </a:extLst>
+              </a:tr>
+              <a:tr h="517872">
+                <a:tc>
+                  <a:txBody>
+                    <a:bodyPr/>
+                    <a:lstStyle/>
+                    <a:p>
+                      <a:r>
+                        <a:rPr lang="en-US" altLang="zh-CN" sz="2000" dirty="0">
+                          <a:latin typeface="Times New Roman" panose="02020603050405020304" pitchFamily="18" charset="0"/>
+                          <a:cs typeface="Times New Roman" panose="02020603050405020304" pitchFamily="18" charset="0"/>
+                        </a:rPr>
+                        <a:t>4x48</a:t>
+                      </a:r>
+                      <a:endParaRPr lang="zh-CN" altLang="en-US" sz="2000" dirty="0">
+                        <a:latin typeface="Times New Roman" panose="02020603050405020304" pitchFamily="18" charset="0"/>
+                        <a:cs typeface="Times New Roman" panose="02020603050405020304" pitchFamily="18" charset="0"/>
+                      </a:endParaRPr>
+                    </a:p>
+                  </a:txBody>
+                  <a:tcPr/>
+                </a:tc>
+                <a:tc>
+                  <a:txBody>
+                    <a:bodyPr/>
+                    <a:lstStyle/>
+                    <a:p>
+                      <a:r>
+                        <a:rPr lang="en-US" altLang="zh-CN" sz="2000" dirty="0">
+                          <a:latin typeface="Times New Roman" panose="02020603050405020304" pitchFamily="18" charset="0"/>
+                          <a:cs typeface="Times New Roman" panose="02020603050405020304" pitchFamily="18" charset="0"/>
+                        </a:rPr>
+                        <a:t>382091</a:t>
+                      </a:r>
+                    </a:p>
+                  </a:txBody>
+                  <a:tcPr/>
+                </a:tc>
+                <a:tc>
+                  <a:txBody>
+                    <a:bodyPr/>
+                    <a:lstStyle/>
+                    <a:p>
+                      <a:r>
+                        <a:rPr lang="en-US" altLang="zh-CN" sz="2000" dirty="0">
+                          <a:latin typeface="Times New Roman" panose="02020603050405020304" pitchFamily="18" charset="0"/>
+                          <a:cs typeface="Times New Roman" panose="02020603050405020304" pitchFamily="18" charset="0"/>
+                        </a:rPr>
+                        <a:t>4x24</a:t>
+                      </a:r>
+                      <a:endParaRPr lang="zh-CN" altLang="en-US" sz="2000" dirty="0">
+                        <a:latin typeface="Times New Roman" panose="02020603050405020304" pitchFamily="18" charset="0"/>
+                        <a:cs typeface="Times New Roman" panose="02020603050405020304" pitchFamily="18" charset="0"/>
+                      </a:endParaRPr>
+                    </a:p>
+                  </a:txBody>
+                  <a:tcPr/>
+                </a:tc>
+                <a:tc>
+                  <a:txBody>
+                    <a:bodyPr/>
+                    <a:lstStyle/>
+                    <a:p>
+                      <a:r>
+                        <a:rPr lang="en-US" altLang="zh-CN" sz="2000" dirty="0">
+                          <a:latin typeface="Times New Roman" panose="02020603050405020304" pitchFamily="18" charset="0"/>
+                          <a:cs typeface="Times New Roman" panose="02020603050405020304" pitchFamily="18" charset="0"/>
+                        </a:rPr>
+                        <a:t>The most fast</a:t>
+                      </a:r>
+                      <a:endParaRPr lang="zh-CN" altLang="en-US" sz="2000" dirty="0">
+                        <a:latin typeface="Times New Roman" panose="02020603050405020304" pitchFamily="18" charset="0"/>
+                        <a:cs typeface="Times New Roman" panose="02020603050405020304" pitchFamily="18" charset="0"/>
+                      </a:endParaRPr>
+                    </a:p>
+                  </a:txBody>
+                  <a:tcPr/>
+                </a:tc>
+                <a:tc>
+                  <a:txBody>
+                    <a:bodyPr/>
+                    <a:lstStyle/>
+                    <a:p>
+                      <a:endParaRPr lang="zh-CN" altLang="en-US" sz="2000" dirty="0">
+                        <a:latin typeface="Times New Roman" panose="02020603050405020304" pitchFamily="18" charset="0"/>
+                        <a:cs typeface="Times New Roman" panose="02020603050405020304" pitchFamily="18" charset="0"/>
+                      </a:endParaRPr>
+                    </a:p>
+                  </a:txBody>
+                  <a:tcPr/>
+                </a:tc>
+                <a:extLst>
+                  <a:ext uri="{0D108BD9-81ED-4DB2-BD59-A6C34878D82A}">
+                    <a16:rowId xmlns:a16="http://schemas.microsoft.com/office/drawing/2014/main" val="1666228950"/>
+                  </a:ext>
+                </a:extLst>
+              </a:tr>
+              <a:tr h="517872">
+                <a:tc>
+                  <a:txBody>
+                    <a:bodyPr/>
+                    <a:lstStyle/>
+                    <a:p>
+                      <a:r>
+                        <a:rPr lang="en-US" altLang="zh-CN" sz="2000" dirty="0">
+                          <a:latin typeface="Times New Roman" panose="02020603050405020304" pitchFamily="18" charset="0"/>
+                          <a:cs typeface="Times New Roman" panose="02020603050405020304" pitchFamily="18" charset="0"/>
+                        </a:rPr>
+                        <a:t>4x24</a:t>
+                      </a:r>
+                      <a:endParaRPr lang="zh-CN" altLang="en-US" sz="2000" dirty="0">
+                        <a:latin typeface="Times New Roman" panose="02020603050405020304" pitchFamily="18" charset="0"/>
+                        <a:cs typeface="Times New Roman" panose="02020603050405020304" pitchFamily="18" charset="0"/>
+                      </a:endParaRPr>
+                    </a:p>
+                  </a:txBody>
+                  <a:tcPr/>
+                </a:tc>
+                <a:tc>
+                  <a:txBody>
+                    <a:bodyPr/>
+                    <a:lstStyle/>
+                    <a:p>
+                      <a:pPr marL="0" marR="0" lvl="0" indent="0" algn="l" defTabSz="914400" rtl="0" eaLnBrk="1" fontAlgn="auto" latinLnBrk="0" hangingPunct="1">
+                        <a:lnSpc>
+                          <a:spcPct val="100000"/>
+                        </a:lnSpc>
+                        <a:spcBef>
+                          <a:spcPts val="0"/>
+                        </a:spcBef>
+                        <a:spcAft>
+                          <a:spcPts val="0"/>
+                        </a:spcAft>
+                        <a:buClrTx/>
+                        <a:buSzTx/>
+                        <a:buFontTx/>
+                        <a:buNone/>
+                        <a:tabLst/>
+                        <a:defRPr/>
+                      </a:pPr>
+                      <a:r>
+                        <a:rPr lang="en-US" altLang="zh-CN" sz="2000" dirty="0">
+                          <a:latin typeface="Times New Roman" panose="02020603050405020304" pitchFamily="18" charset="0"/>
+                          <a:cs typeface="Times New Roman" panose="02020603050405020304" pitchFamily="18" charset="0"/>
+                        </a:rPr>
+                        <a:t>382123</a:t>
+                      </a:r>
+                    </a:p>
+                  </a:txBody>
+                  <a:tcPr/>
+                </a:tc>
+                <a:tc>
+                  <a:txBody>
+                    <a:bodyPr/>
+                    <a:lstStyle/>
+                    <a:p>
+                      <a:r>
+                        <a:rPr lang="en-US" altLang="zh-CN" sz="2000" dirty="0">
+                          <a:latin typeface="Times New Roman" panose="02020603050405020304" pitchFamily="18" charset="0"/>
+                          <a:cs typeface="Times New Roman" panose="02020603050405020304" pitchFamily="18" charset="0"/>
+                        </a:rPr>
+                        <a:t>4x24</a:t>
+                      </a:r>
+                      <a:endParaRPr lang="zh-CN" altLang="en-US" sz="2000" dirty="0">
+                        <a:latin typeface="Times New Roman" panose="02020603050405020304" pitchFamily="18" charset="0"/>
+                        <a:cs typeface="Times New Roman" panose="02020603050405020304" pitchFamily="18" charset="0"/>
+                      </a:endParaRPr>
+                    </a:p>
+                  </a:txBody>
+                  <a:tcPr/>
+                </a:tc>
+                <a:tc>
+                  <a:txBody>
+                    <a:bodyPr/>
+                    <a:lstStyle/>
+                    <a:p>
+                      <a:r>
+                        <a:rPr lang="en-US" altLang="zh-CN" sz="2000" dirty="0">
+                          <a:latin typeface="Times New Roman" panose="02020603050405020304" pitchFamily="18" charset="0"/>
+                          <a:cs typeface="Times New Roman" panose="02020603050405020304" pitchFamily="18" charset="0"/>
+                        </a:rPr>
+                        <a:t>The second most fast</a:t>
+                      </a:r>
+                      <a:endParaRPr lang="zh-CN" altLang="en-US" sz="2000" dirty="0">
+                        <a:latin typeface="Times New Roman" panose="02020603050405020304" pitchFamily="18" charset="0"/>
+                        <a:cs typeface="Times New Roman" panose="02020603050405020304" pitchFamily="18" charset="0"/>
+                      </a:endParaRPr>
+                    </a:p>
+                  </a:txBody>
+                  <a:tcPr/>
+                </a:tc>
+                <a:tc>
+                  <a:txBody>
+                    <a:bodyPr/>
+                    <a:lstStyle/>
+                    <a:p>
+                      <a:endParaRPr lang="zh-CN" altLang="en-US" sz="2000" dirty="0">
+                        <a:latin typeface="Times New Roman" panose="02020603050405020304" pitchFamily="18" charset="0"/>
+                        <a:cs typeface="Times New Roman" panose="02020603050405020304" pitchFamily="18" charset="0"/>
+                      </a:endParaRPr>
+                    </a:p>
+                  </a:txBody>
+                  <a:tcPr/>
+                </a:tc>
+                <a:extLst>
+                  <a:ext uri="{0D108BD9-81ED-4DB2-BD59-A6C34878D82A}">
+                    <a16:rowId xmlns:a16="http://schemas.microsoft.com/office/drawing/2014/main" val="2913943329"/>
+                  </a:ext>
+                </a:extLst>
+              </a:tr>
+              <a:tr h="517872">
+                <a:tc>
+                  <a:txBody>
+                    <a:bodyPr/>
+                    <a:lstStyle/>
+                    <a:p>
+                      <a:r>
+                        <a:rPr lang="en-US" altLang="zh-CN" sz="2000" dirty="0">
+                          <a:latin typeface="Times New Roman" panose="02020603050405020304" pitchFamily="18" charset="0"/>
+                          <a:cs typeface="Times New Roman" panose="02020603050405020304" pitchFamily="18" charset="0"/>
+                        </a:rPr>
+                        <a:t>1x96</a:t>
+                      </a:r>
+                      <a:endParaRPr lang="zh-CN" altLang="en-US" sz="2000" dirty="0">
+                        <a:latin typeface="Times New Roman" panose="02020603050405020304" pitchFamily="18" charset="0"/>
+                        <a:cs typeface="Times New Roman" panose="02020603050405020304" pitchFamily="18" charset="0"/>
+                      </a:endParaRPr>
+                    </a:p>
+                  </a:txBody>
+                  <a:tcPr/>
+                </a:tc>
+                <a:tc>
+                  <a:txBody>
+                    <a:bodyPr/>
+                    <a:lstStyle/>
+                    <a:p>
+                      <a:pPr marL="0" marR="0" lvl="0" indent="0" algn="l" defTabSz="914400" rtl="0" eaLnBrk="1" fontAlgn="auto" latinLnBrk="0" hangingPunct="1">
+                        <a:lnSpc>
+                          <a:spcPct val="100000"/>
+                        </a:lnSpc>
+                        <a:spcBef>
+                          <a:spcPts val="0"/>
+                        </a:spcBef>
+                        <a:spcAft>
+                          <a:spcPts val="0"/>
+                        </a:spcAft>
+                        <a:buClrTx/>
+                        <a:buSzTx/>
+                        <a:buFontTx/>
+                        <a:buNone/>
+                        <a:tabLst/>
+                        <a:defRPr/>
+                      </a:pPr>
+                      <a:r>
+                        <a:rPr lang="en-US" altLang="zh-CN" sz="2000" dirty="0">
+                          <a:latin typeface="Times New Roman" panose="02020603050405020304" pitchFamily="18" charset="0"/>
+                          <a:cs typeface="Times New Roman" panose="02020603050405020304" pitchFamily="18" charset="0"/>
+                        </a:rPr>
+                        <a:t>382267</a:t>
+                      </a:r>
+                    </a:p>
+                  </a:txBody>
+                  <a:tcPr/>
+                </a:tc>
+                <a:tc>
+                  <a:txBody>
+                    <a:bodyPr/>
+                    <a:lstStyle/>
+                    <a:p>
+                      <a:r>
+                        <a:rPr lang="en-US" altLang="zh-CN" sz="2000" dirty="0">
+                          <a:latin typeface="Times New Roman" panose="02020603050405020304" pitchFamily="18" charset="0"/>
+                          <a:cs typeface="Times New Roman" panose="02020603050405020304" pitchFamily="18" charset="0"/>
+                        </a:rPr>
+                        <a:t>1x24(binding </a:t>
+                      </a:r>
+                      <a:r>
+                        <a:rPr lang="en-US" altLang="zh-CN" sz="2000" dirty="0" err="1">
+                          <a:latin typeface="Times New Roman" panose="02020603050405020304" pitchFamily="18" charset="0"/>
+                          <a:cs typeface="Times New Roman" panose="02020603050405020304" pitchFamily="18" charset="0"/>
+                        </a:rPr>
+                        <a:t>cpus</a:t>
+                      </a:r>
+                      <a:r>
+                        <a:rPr lang="en-US" altLang="zh-CN" sz="2000" dirty="0">
+                          <a:latin typeface="Times New Roman" panose="02020603050405020304" pitchFamily="18" charset="0"/>
+                          <a:cs typeface="Times New Roman" panose="02020603050405020304" pitchFamily="18" charset="0"/>
+                        </a:rPr>
+                        <a:t>)</a:t>
+                      </a:r>
+                      <a:endParaRPr lang="zh-CN" altLang="en-US" sz="2000" dirty="0">
+                        <a:latin typeface="Times New Roman" panose="02020603050405020304" pitchFamily="18" charset="0"/>
+                        <a:cs typeface="Times New Roman" panose="02020603050405020304" pitchFamily="18" charset="0"/>
+                      </a:endParaRPr>
+                    </a:p>
+                  </a:txBody>
+                  <a:tcPr/>
+                </a:tc>
+                <a:tc>
+                  <a:txBody>
+                    <a:bodyPr/>
+                    <a:lstStyle/>
+                    <a:p>
+                      <a:endParaRPr lang="zh-CN" altLang="en-US" sz="2000" dirty="0">
+                        <a:latin typeface="Times New Roman" panose="02020603050405020304" pitchFamily="18" charset="0"/>
+                        <a:cs typeface="Times New Roman" panose="02020603050405020304" pitchFamily="18" charset="0"/>
+                      </a:endParaRPr>
+                    </a:p>
+                  </a:txBody>
+                  <a:tcPr/>
+                </a:tc>
+                <a:tc>
+                  <a:txBody>
+                    <a:bodyPr/>
+                    <a:lstStyle/>
+                    <a:p>
+                      <a:endParaRPr lang="zh-CN" altLang="en-US" sz="2000" dirty="0">
+                        <a:latin typeface="Times New Roman" panose="02020603050405020304" pitchFamily="18" charset="0"/>
+                        <a:cs typeface="Times New Roman" panose="02020603050405020304" pitchFamily="18" charset="0"/>
+                      </a:endParaRPr>
+                    </a:p>
+                  </a:txBody>
+                  <a:tcPr/>
+                </a:tc>
+                <a:extLst>
+                  <a:ext uri="{0D108BD9-81ED-4DB2-BD59-A6C34878D82A}">
+                    <a16:rowId xmlns:a16="http://schemas.microsoft.com/office/drawing/2014/main" val="666918307"/>
+                  </a:ext>
+                </a:extLst>
+              </a:tr>
+              <a:tr h="517872">
+                <a:tc>
+                  <a:txBody>
+                    <a:bodyPr/>
+                    <a:lstStyle/>
+                    <a:p>
+                      <a:r>
+                        <a:rPr lang="en-US" altLang="zh-CN" sz="2000" dirty="0">
+                          <a:latin typeface="Times New Roman" panose="02020603050405020304" pitchFamily="18" charset="0"/>
+                          <a:cs typeface="Times New Roman" panose="02020603050405020304" pitchFamily="18" charset="0"/>
+                        </a:rPr>
+                        <a:t>1x96</a:t>
+                      </a:r>
+                      <a:endParaRPr lang="zh-CN" altLang="en-US" sz="2000" dirty="0">
+                        <a:latin typeface="Times New Roman" panose="02020603050405020304" pitchFamily="18" charset="0"/>
+                        <a:cs typeface="Times New Roman" panose="02020603050405020304" pitchFamily="18" charset="0"/>
+                      </a:endParaRPr>
+                    </a:p>
+                  </a:txBody>
+                  <a:tcPr/>
+                </a:tc>
+                <a:tc>
+                  <a:txBody>
+                    <a:bodyPr/>
+                    <a:lstStyle/>
+                    <a:p>
+                      <a:pPr marL="0" marR="0" lvl="0" indent="0" algn="l" defTabSz="914400" rtl="0" eaLnBrk="1" fontAlgn="auto" latinLnBrk="0" hangingPunct="1">
+                        <a:lnSpc>
+                          <a:spcPct val="100000"/>
+                        </a:lnSpc>
+                        <a:spcBef>
+                          <a:spcPts val="0"/>
+                        </a:spcBef>
+                        <a:spcAft>
+                          <a:spcPts val="0"/>
+                        </a:spcAft>
+                        <a:buClrTx/>
+                        <a:buSzTx/>
+                        <a:buFontTx/>
+                        <a:buNone/>
+                        <a:tabLst/>
+                        <a:defRPr/>
+                      </a:pPr>
+                      <a:r>
+                        <a:rPr lang="en-US" altLang="zh-CN" sz="2000" dirty="0">
+                          <a:latin typeface="Times New Roman" panose="02020603050405020304" pitchFamily="18" charset="0"/>
+                          <a:cs typeface="Times New Roman" panose="02020603050405020304" pitchFamily="18" charset="0"/>
+                        </a:rPr>
+                        <a:t>383428</a:t>
+                      </a:r>
+                    </a:p>
+                  </a:txBody>
+                  <a:tcPr/>
+                </a:tc>
+                <a:tc>
+                  <a:txBody>
+                    <a:bodyPr/>
+                    <a:lstStyle/>
+                    <a:p>
+                      <a:r>
+                        <a:rPr lang="en-US" altLang="zh-CN" sz="2000" dirty="0">
+                          <a:latin typeface="Times New Roman" panose="02020603050405020304" pitchFamily="18" charset="0"/>
+                          <a:cs typeface="Times New Roman" panose="02020603050405020304" pitchFamily="18" charset="0"/>
+                        </a:rPr>
+                        <a:t>1x48(binding </a:t>
+                      </a:r>
+                      <a:r>
+                        <a:rPr lang="en-US" altLang="zh-CN" sz="2000" dirty="0" err="1">
+                          <a:latin typeface="Times New Roman" panose="02020603050405020304" pitchFamily="18" charset="0"/>
+                          <a:cs typeface="Times New Roman" panose="02020603050405020304" pitchFamily="18" charset="0"/>
+                        </a:rPr>
+                        <a:t>cpus</a:t>
+                      </a:r>
+                      <a:r>
+                        <a:rPr lang="en-US" altLang="zh-CN" sz="2000" dirty="0">
+                          <a:latin typeface="Times New Roman" panose="02020603050405020304" pitchFamily="18" charset="0"/>
+                          <a:cs typeface="Times New Roman" panose="02020603050405020304" pitchFamily="18" charset="0"/>
+                        </a:rPr>
+                        <a:t>)</a:t>
+                      </a:r>
+                      <a:endParaRPr lang="zh-CN" altLang="en-US" sz="2000" dirty="0">
+                        <a:latin typeface="Times New Roman" panose="02020603050405020304" pitchFamily="18" charset="0"/>
+                        <a:cs typeface="Times New Roman" panose="02020603050405020304" pitchFamily="18" charset="0"/>
+                      </a:endParaRPr>
+                    </a:p>
+                  </a:txBody>
+                  <a:tcPr/>
+                </a:tc>
+                <a:tc>
+                  <a:txBody>
+                    <a:bodyPr/>
+                    <a:lstStyle/>
+                    <a:p>
+                      <a:endParaRPr lang="zh-CN" altLang="en-US" sz="2000" dirty="0">
+                        <a:latin typeface="Times New Roman" panose="02020603050405020304" pitchFamily="18" charset="0"/>
+                        <a:cs typeface="Times New Roman" panose="02020603050405020304" pitchFamily="18" charset="0"/>
+                      </a:endParaRPr>
+                    </a:p>
+                  </a:txBody>
+                  <a:tcPr/>
+                </a:tc>
+                <a:tc>
+                  <a:txBody>
+                    <a:bodyPr/>
+                    <a:lstStyle/>
+                    <a:p>
+                      <a:endParaRPr lang="zh-CN" altLang="en-US" sz="2000" dirty="0">
+                        <a:latin typeface="Times New Roman" panose="02020603050405020304" pitchFamily="18" charset="0"/>
+                        <a:cs typeface="Times New Roman" panose="02020603050405020304" pitchFamily="18" charset="0"/>
+                      </a:endParaRPr>
+                    </a:p>
+                  </a:txBody>
+                  <a:tcPr/>
+                </a:tc>
+                <a:extLst>
+                  <a:ext uri="{0D108BD9-81ED-4DB2-BD59-A6C34878D82A}">
+                    <a16:rowId xmlns:a16="http://schemas.microsoft.com/office/drawing/2014/main" val="2699179161"/>
+                  </a:ext>
+                </a:extLst>
+              </a:tr>
+            </a:tbl>
+          </a:graphicData>
+        </a:graphic>
+      </p:graphicFrame>
+    </p:spTree>
+    <p:extLst>
+      <p:ext uri="{BB962C8B-B14F-4D97-AF65-F5344CB8AC3E}">
+        <p14:creationId xmlns:p14="http://schemas.microsoft.com/office/powerpoint/2010/main" val="2555819567"/>
       </p:ext>
     </p:extLst>
   </p:cSld>

--- a/note/Technical-Note.pptx
+++ b/note/Technical-Note.pptx
@@ -11,6 +11,7 @@
     <p:sldId id="259" r:id="rId5"/>
     <p:sldId id="260" r:id="rId6"/>
     <p:sldId id="261" r:id="rId7"/>
+    <p:sldId id="262" r:id="rId8"/>
   </p:sldIdLst>
   <p:sldSz cx="12192000" cy="6858000"/>
   <p:notesSz cx="6858000" cy="9144000"/>
@@ -264,7 +265,7 @@
           <a:p>
             <a:fld id="{077DBB04-3226-F24F-BB25-0A802932BE86}" type="datetimeFigureOut">
               <a:rPr kumimoji="1" lang="zh-CN" altLang="en-US" smtClean="0"/>
-              <a:t>2021/9/3</a:t>
+              <a:t>2021/9/6</a:t>
             </a:fld>
             <a:endParaRPr kumimoji="1" lang="zh-CN" altLang="en-US"/>
           </a:p>
@@ -462,7 +463,7 @@
           <a:p>
             <a:fld id="{077DBB04-3226-F24F-BB25-0A802932BE86}" type="datetimeFigureOut">
               <a:rPr kumimoji="1" lang="zh-CN" altLang="en-US" smtClean="0"/>
-              <a:t>2021/9/3</a:t>
+              <a:t>2021/9/6</a:t>
             </a:fld>
             <a:endParaRPr kumimoji="1" lang="zh-CN" altLang="en-US"/>
           </a:p>
@@ -670,7 +671,7 @@
           <a:p>
             <a:fld id="{077DBB04-3226-F24F-BB25-0A802932BE86}" type="datetimeFigureOut">
               <a:rPr kumimoji="1" lang="zh-CN" altLang="en-US" smtClean="0"/>
-              <a:t>2021/9/3</a:t>
+              <a:t>2021/9/6</a:t>
             </a:fld>
             <a:endParaRPr kumimoji="1" lang="zh-CN" altLang="en-US"/>
           </a:p>
@@ -868,7 +869,7 @@
           <a:p>
             <a:fld id="{077DBB04-3226-F24F-BB25-0A802932BE86}" type="datetimeFigureOut">
               <a:rPr kumimoji="1" lang="zh-CN" altLang="en-US" smtClean="0"/>
-              <a:t>2021/9/3</a:t>
+              <a:t>2021/9/6</a:t>
             </a:fld>
             <a:endParaRPr kumimoji="1" lang="zh-CN" altLang="en-US"/>
           </a:p>
@@ -1143,7 +1144,7 @@
           <a:p>
             <a:fld id="{077DBB04-3226-F24F-BB25-0A802932BE86}" type="datetimeFigureOut">
               <a:rPr kumimoji="1" lang="zh-CN" altLang="en-US" smtClean="0"/>
-              <a:t>2021/9/3</a:t>
+              <a:t>2021/9/6</a:t>
             </a:fld>
             <a:endParaRPr kumimoji="1" lang="zh-CN" altLang="en-US"/>
           </a:p>
@@ -1408,7 +1409,7 @@
           <a:p>
             <a:fld id="{077DBB04-3226-F24F-BB25-0A802932BE86}" type="datetimeFigureOut">
               <a:rPr kumimoji="1" lang="zh-CN" altLang="en-US" smtClean="0"/>
-              <a:t>2021/9/3</a:t>
+              <a:t>2021/9/6</a:t>
             </a:fld>
             <a:endParaRPr kumimoji="1" lang="zh-CN" altLang="en-US"/>
           </a:p>
@@ -1820,7 +1821,7 @@
           <a:p>
             <a:fld id="{077DBB04-3226-F24F-BB25-0A802932BE86}" type="datetimeFigureOut">
               <a:rPr kumimoji="1" lang="zh-CN" altLang="en-US" smtClean="0"/>
-              <a:t>2021/9/3</a:t>
+              <a:t>2021/9/6</a:t>
             </a:fld>
             <a:endParaRPr kumimoji="1" lang="zh-CN" altLang="en-US"/>
           </a:p>
@@ -1961,7 +1962,7 @@
           <a:p>
             <a:fld id="{077DBB04-3226-F24F-BB25-0A802932BE86}" type="datetimeFigureOut">
               <a:rPr kumimoji="1" lang="zh-CN" altLang="en-US" smtClean="0"/>
-              <a:t>2021/9/3</a:t>
+              <a:t>2021/9/6</a:t>
             </a:fld>
             <a:endParaRPr kumimoji="1" lang="zh-CN" altLang="en-US"/>
           </a:p>
@@ -2074,7 +2075,7 @@
           <a:p>
             <a:fld id="{077DBB04-3226-F24F-BB25-0A802932BE86}" type="datetimeFigureOut">
               <a:rPr kumimoji="1" lang="zh-CN" altLang="en-US" smtClean="0"/>
-              <a:t>2021/9/3</a:t>
+              <a:t>2021/9/6</a:t>
             </a:fld>
             <a:endParaRPr kumimoji="1" lang="zh-CN" altLang="en-US"/>
           </a:p>
@@ -2385,7 +2386,7 @@
           <a:p>
             <a:fld id="{077DBB04-3226-F24F-BB25-0A802932BE86}" type="datetimeFigureOut">
               <a:rPr kumimoji="1" lang="zh-CN" altLang="en-US" smtClean="0"/>
-              <a:t>2021/9/3</a:t>
+              <a:t>2021/9/6</a:t>
             </a:fld>
             <a:endParaRPr kumimoji="1" lang="zh-CN" altLang="en-US"/>
           </a:p>
@@ -2673,7 +2674,7 @@
           <a:p>
             <a:fld id="{077DBB04-3226-F24F-BB25-0A802932BE86}" type="datetimeFigureOut">
               <a:rPr kumimoji="1" lang="zh-CN" altLang="en-US" smtClean="0"/>
-              <a:t>2021/9/3</a:t>
+              <a:t>2021/9/6</a:t>
             </a:fld>
             <a:endParaRPr kumimoji="1" lang="zh-CN" altLang="en-US"/>
           </a:p>
@@ -2914,7 +2915,7 @@
           <a:p>
             <a:fld id="{077DBB04-3226-F24F-BB25-0A802932BE86}" type="datetimeFigureOut">
               <a:rPr kumimoji="1" lang="zh-CN" altLang="en-US" smtClean="0"/>
-              <a:t>2021/9/3</a:t>
+              <a:t>2021/9/6</a:t>
             </a:fld>
             <a:endParaRPr kumimoji="1" lang="zh-CN" altLang="en-US"/>
           </a:p>
@@ -7476,6 +7477,1053 @@
 </p:sld>
 </file>
 
+<file path=ppt/slides/slide7.xml><?xml version="1.0" encoding="utf-8"?>
+<p:sld xmlns:a="http://schemas.openxmlformats.org/drawingml/2006/main" xmlns:r="http://schemas.openxmlformats.org/officeDocument/2006/relationships" xmlns:p="http://schemas.openxmlformats.org/presentationml/2006/main">
+  <p:cSld>
+    <p:spTree>
+      <p:nvGrpSpPr>
+        <p:cNvPr id="1" name=""/>
+        <p:cNvGrpSpPr/>
+        <p:nvPr/>
+      </p:nvGrpSpPr>
+      <p:grpSpPr>
+        <a:xfrm>
+          <a:off x="0" y="0"/>
+          <a:ext cx="0" cy="0"/>
+          <a:chOff x="0" y="0"/>
+          <a:chExt cx="0" cy="0"/>
+        </a:xfrm>
+      </p:grpSpPr>
+      <p:sp>
+        <p:nvSpPr>
+          <p:cNvPr id="5" name="标题 1">
+            <a:extLst>
+              <a:ext uri="{FF2B5EF4-FFF2-40B4-BE49-F238E27FC236}">
+                <a16:creationId xmlns:a16="http://schemas.microsoft.com/office/drawing/2014/main" id="{27CDBFC1-32DF-3F4F-BB02-4E90FAD4318A}"/>
+              </a:ext>
+            </a:extLst>
+          </p:cNvPr>
+          <p:cNvSpPr>
+            <a:spLocks noGrp="1"/>
+          </p:cNvSpPr>
+          <p:nvPr>
+            <p:ph type="title"/>
+          </p:nvPr>
+        </p:nvSpPr>
+        <p:spPr>
+          <a:xfrm>
+            <a:off x="193184" y="43256"/>
+            <a:ext cx="7521261" cy="690943"/>
+          </a:xfrm>
+        </p:spPr>
+        <p:txBody>
+          <a:bodyPr>
+            <a:normAutofit/>
+          </a:bodyPr>
+          <a:lstStyle/>
+          <a:p>
+            <a:r>
+              <a:rPr kumimoji="1" lang="en-US" altLang="zh-CN" sz="3600" dirty="0">
+                <a:latin typeface="Palatino" pitchFamily="2" charset="0"/>
+                <a:ea typeface="Palatino" pitchFamily="2" charset="0"/>
+              </a:rPr>
+              <a:t>two site update phonon MPI test</a:t>
+            </a:r>
+            <a:endParaRPr kumimoji="1" lang="zh-CN" altLang="en-US" sz="3600" dirty="0">
+              <a:latin typeface="Palatino" pitchFamily="2" charset="0"/>
+              <a:ea typeface="Palatino" pitchFamily="2" charset="0"/>
+            </a:endParaRPr>
+          </a:p>
+        </p:txBody>
+      </p:sp>
+      <mc:AlternateContent xmlns:mc="http://schemas.openxmlformats.org/markup-compatibility/2006" xmlns:a14="http://schemas.microsoft.com/office/drawing/2010/main">
+        <mc:Choice Requires="a14">
+          <p:sp>
+            <p:nvSpPr>
+              <p:cNvPr id="6" name="文本框 5">
+                <a:extLst>
+                  <a:ext uri="{FF2B5EF4-FFF2-40B4-BE49-F238E27FC236}">
+                    <a16:creationId xmlns:a16="http://schemas.microsoft.com/office/drawing/2014/main" id="{D4F50D4E-6FBE-A042-A4CF-28DC60B8593C}"/>
+                  </a:ext>
+                </a:extLst>
+              </p:cNvPr>
+              <p:cNvSpPr txBox="1"/>
+              <p:nvPr/>
+            </p:nvSpPr>
+            <p:spPr>
+              <a:xfrm>
+                <a:off x="1107583" y="734199"/>
+                <a:ext cx="8023538" cy="1200329"/>
+              </a:xfrm>
+              <a:prstGeom prst="rect">
+                <a:avLst/>
+              </a:prstGeom>
+              <a:noFill/>
+            </p:spPr>
+            <p:txBody>
+              <a:bodyPr wrap="square" rtlCol="0">
+                <a:spAutoFit/>
+              </a:bodyPr>
+              <a:lstStyle/>
+              <a:p>
+                <a:r>
+                  <a:rPr kumimoji="1" lang="en-US" altLang="zh-CN" dirty="0">
+                    <a:latin typeface="Times New Roman" panose="02020603050405020304" pitchFamily="18" charset="0"/>
+                    <a:cs typeface="Times New Roman" panose="02020603050405020304" pitchFamily="18" charset="0"/>
+                  </a:rPr>
+                  <a:t>Model: SSH-Hubbard, </a:t>
+                </a:r>
+                <a14:m>
+                  <m:oMath xmlns:m="http://schemas.openxmlformats.org/officeDocument/2006/math">
+                    <m:r>
+                      <a:rPr kumimoji="1" lang="en-US" altLang="zh-CN" b="0" i="1" smtClean="0">
+                        <a:latin typeface="Cambria Math" panose="02040503050406030204" pitchFamily="18" charset="0"/>
+                        <a:cs typeface="Times New Roman" panose="02020603050405020304" pitchFamily="18" charset="0"/>
+                      </a:rPr>
+                      <m:t>𝜆</m:t>
+                    </m:r>
+                    <m:r>
+                      <a:rPr kumimoji="1" lang="en-US" altLang="zh-CN" b="0" i="1" smtClean="0">
+                        <a:latin typeface="Cambria Math" panose="02040503050406030204" pitchFamily="18" charset="0"/>
+                        <a:cs typeface="Times New Roman" panose="02020603050405020304" pitchFamily="18" charset="0"/>
+                      </a:rPr>
+                      <m:t>=0.3</m:t>
+                    </m:r>
+                  </m:oMath>
+                </a14:m>
+                <a:endParaRPr kumimoji="1" lang="en-US" altLang="zh-CN" dirty="0">
+                  <a:latin typeface="Times New Roman" panose="02020603050405020304" pitchFamily="18" charset="0"/>
+                  <a:cs typeface="Times New Roman" panose="02020603050405020304" pitchFamily="18" charset="0"/>
+                </a:endParaRPr>
+              </a:p>
+              <a:p>
+                <a:r>
+                  <a:rPr kumimoji="1" lang="en-US" altLang="zh-CN" dirty="0">
+                    <a:latin typeface="Times New Roman" panose="02020603050405020304" pitchFamily="18" charset="0"/>
+                    <a:cs typeface="Times New Roman" panose="02020603050405020304" pitchFamily="18" charset="0"/>
+                  </a:rPr>
+                  <a:t>System size: </a:t>
+                </a:r>
+                <a14:m>
+                  <m:oMath xmlns:m="http://schemas.openxmlformats.org/officeDocument/2006/math">
+                    <m:r>
+                      <a:rPr kumimoji="1" lang="en-US" altLang="zh-CN" b="0" i="1" smtClean="0">
+                        <a:latin typeface="Cambria Math" panose="02040503050406030204" pitchFamily="18" charset="0"/>
+                      </a:rPr>
+                      <m:t>4×48</m:t>
+                    </m:r>
+                  </m:oMath>
+                </a14:m>
+                <a:endParaRPr kumimoji="1" lang="en-US" altLang="zh-CN" dirty="0">
+                  <a:latin typeface="Times New Roman" panose="02020603050405020304" pitchFamily="18" charset="0"/>
+                  <a:cs typeface="Times New Roman" panose="02020603050405020304" pitchFamily="18" charset="0"/>
+                </a:endParaRPr>
+              </a:p>
+              <a:p>
+                <a:r>
+                  <a:rPr kumimoji="1" lang="en-US" altLang="zh-CN" dirty="0">
+                    <a:latin typeface="Times New Roman" panose="02020603050405020304" pitchFamily="18" charset="0"/>
+                    <a:cs typeface="Times New Roman" panose="02020603050405020304" pitchFamily="18" charset="0"/>
+                  </a:rPr>
+                  <a:t>Bond dimension: 8000</a:t>
+                </a:r>
+              </a:p>
+              <a:p>
+                <a:r>
+                  <a:rPr kumimoji="1" lang="en-US" altLang="zh-CN" dirty="0">
+                    <a:latin typeface="Times New Roman" panose="02020603050405020304" pitchFamily="18" charset="0"/>
+                    <a:cs typeface="Times New Roman" panose="02020603050405020304" pitchFamily="18" charset="0"/>
+                  </a:rPr>
+                  <a:t>HPC: </a:t>
+                </a:r>
+                <a:r>
+                  <a:rPr kumimoji="1" lang="en-US" altLang="zh-CN" dirty="0" err="1">
+                    <a:latin typeface="Times New Roman" panose="02020603050405020304" pitchFamily="18" charset="0"/>
+                    <a:cs typeface="Times New Roman" panose="02020603050405020304" pitchFamily="18" charset="0"/>
+                  </a:rPr>
+                  <a:t>paracloud@bscc-t</a:t>
+                </a:r>
+                <a:r>
+                  <a:rPr kumimoji="1" lang="en-US" altLang="zh-CN" dirty="0">
+                    <a:latin typeface="Times New Roman" panose="02020603050405020304" pitchFamily="18" charset="0"/>
+                    <a:cs typeface="Times New Roman" panose="02020603050405020304" pitchFamily="18" charset="0"/>
+                  </a:rPr>
+                  <a:t>(CPU: Intel, MEM: 384G, 96 core)</a:t>
+                </a:r>
+              </a:p>
+            </p:txBody>
+          </p:sp>
+        </mc:Choice>
+        <mc:Fallback xmlns="">
+          <p:sp>
+            <p:nvSpPr>
+              <p:cNvPr id="6" name="文本框 5">
+                <a:extLst>
+                  <a:ext uri="{FF2B5EF4-FFF2-40B4-BE49-F238E27FC236}">
+                    <a16:creationId xmlns:a16="http://schemas.microsoft.com/office/drawing/2014/main" id="{D4F50D4E-6FBE-A042-A4CF-28DC60B8593C}"/>
+                  </a:ext>
+                </a:extLst>
+              </p:cNvPr>
+              <p:cNvSpPr txBox="1">
+                <a:spLocks noRot="1" noChangeAspect="1" noMove="1" noResize="1" noEditPoints="1" noAdjustHandles="1" noChangeArrowheads="1" noChangeShapeType="1" noTextEdit="1"/>
+              </p:cNvSpPr>
+              <p:nvPr/>
+            </p:nvSpPr>
+            <p:spPr>
+              <a:xfrm>
+                <a:off x="1107583" y="734199"/>
+                <a:ext cx="8023538" cy="1200329"/>
+              </a:xfrm>
+              <a:prstGeom prst="rect">
+                <a:avLst/>
+              </a:prstGeom>
+              <a:blipFill>
+                <a:blip r:embed="rId2"/>
+                <a:stretch>
+                  <a:fillRect l="-632" t="-2083" b="-6250"/>
+                </a:stretch>
+              </a:blipFill>
+            </p:spPr>
+            <p:txBody>
+              <a:bodyPr/>
+              <a:lstStyle/>
+              <a:p>
+                <a:r>
+                  <a:rPr lang="zh-CN" altLang="en-US">
+                    <a:noFill/>
+                  </a:rPr>
+                  <a:t> </a:t>
+                </a:r>
+              </a:p>
+            </p:txBody>
+          </p:sp>
+        </mc:Fallback>
+      </mc:AlternateContent>
+      <p:graphicFrame>
+        <p:nvGraphicFramePr>
+          <p:cNvPr id="7" name="表格 5">
+            <a:extLst>
+              <a:ext uri="{FF2B5EF4-FFF2-40B4-BE49-F238E27FC236}">
+                <a16:creationId xmlns:a16="http://schemas.microsoft.com/office/drawing/2014/main" id="{A47D599D-4D98-A44B-B41F-8DE8FDD2B829}"/>
+              </a:ext>
+            </a:extLst>
+          </p:cNvPr>
+          <p:cNvGraphicFramePr>
+            <a:graphicFrameLocks noGrp="1"/>
+          </p:cNvGraphicFramePr>
+          <p:nvPr>
+            <p:extLst>
+              <p:ext uri="{D42A27DB-BD31-4B8C-83A1-F6EECF244321}">
+                <p14:modId xmlns:p14="http://schemas.microsoft.com/office/powerpoint/2010/main" val="3312233306"/>
+              </p:ext>
+            </p:extLst>
+          </p:nvPr>
+        </p:nvGraphicFramePr>
+        <p:xfrm>
+          <a:off x="425002" y="2035243"/>
+          <a:ext cx="9646276" cy="4822757"/>
+        </p:xfrm>
+        <a:graphic>
+          <a:graphicData uri="http://schemas.openxmlformats.org/drawingml/2006/table">
+            <a:tbl>
+              <a:tblPr firstRow="1" bandRow="1">
+                <a:tableStyleId>{5C22544A-7EE6-4342-B048-85BDC9FD1C3A}</a:tableStyleId>
+              </a:tblPr>
+              <a:tblGrid>
+                <a:gridCol w="2043294">
+                  <a:extLst>
+                    <a:ext uri="{9D8B030D-6E8A-4147-A177-3AD203B41FA5}">
+                      <a16:colId xmlns:a16="http://schemas.microsoft.com/office/drawing/2014/main" val="2603635950"/>
+                    </a:ext>
+                  </a:extLst>
+                </a:gridCol>
+                <a:gridCol w="1046281">
+                  <a:extLst>
+                    <a:ext uri="{9D8B030D-6E8A-4147-A177-3AD203B41FA5}">
+                      <a16:colId xmlns:a16="http://schemas.microsoft.com/office/drawing/2014/main" val="1630367279"/>
+                    </a:ext>
+                  </a:extLst>
+                </a:gridCol>
+                <a:gridCol w="2448341">
+                  <a:extLst>
+                    <a:ext uri="{9D8B030D-6E8A-4147-A177-3AD203B41FA5}">
+                      <a16:colId xmlns:a16="http://schemas.microsoft.com/office/drawing/2014/main" val="1244519568"/>
+                    </a:ext>
+                  </a:extLst>
+                </a:gridCol>
+                <a:gridCol w="2029747">
+                  <a:extLst>
+                    <a:ext uri="{9D8B030D-6E8A-4147-A177-3AD203B41FA5}">
+                      <a16:colId xmlns:a16="http://schemas.microsoft.com/office/drawing/2014/main" val="3491636567"/>
+                    </a:ext>
+                  </a:extLst>
+                </a:gridCol>
+                <a:gridCol w="2078613">
+                  <a:extLst>
+                    <a:ext uri="{9D8B030D-6E8A-4147-A177-3AD203B41FA5}">
+                      <a16:colId xmlns:a16="http://schemas.microsoft.com/office/drawing/2014/main" val="1537263246"/>
+                    </a:ext>
+                  </a:extLst>
+                </a:gridCol>
+              </a:tblGrid>
+              <a:tr h="616517">
+                <a:tc>
+                  <a:txBody>
+                    <a:bodyPr/>
+                    <a:lstStyle/>
+                    <a:p>
+                      <a:r>
+                        <a:rPr lang="en-US" altLang="zh-CN" sz="2000" dirty="0">
+                          <a:latin typeface="Times New Roman" panose="02020603050405020304" pitchFamily="18" charset="0"/>
+                          <a:cs typeface="Times New Roman" panose="02020603050405020304" pitchFamily="18" charset="0"/>
+                        </a:rPr>
+                        <a:t>Num core</a:t>
+                      </a:r>
+                      <a:endParaRPr lang="zh-CN" altLang="en-US" sz="2000" dirty="0">
+                        <a:latin typeface="Times New Roman" panose="02020603050405020304" pitchFamily="18" charset="0"/>
+                        <a:cs typeface="Times New Roman" panose="02020603050405020304" pitchFamily="18" charset="0"/>
+                      </a:endParaRPr>
+                    </a:p>
+                  </a:txBody>
+                  <a:tcPr/>
+                </a:tc>
+                <a:tc>
+                  <a:txBody>
+                    <a:bodyPr/>
+                    <a:lstStyle/>
+                    <a:p>
+                      <a:r>
+                        <a:rPr lang="en-US" altLang="zh-CN" sz="2000" dirty="0">
+                          <a:latin typeface="Times New Roman" panose="02020603050405020304" pitchFamily="18" charset="0"/>
+                          <a:cs typeface="Times New Roman" panose="02020603050405020304" pitchFamily="18" charset="0"/>
+                        </a:rPr>
+                        <a:t>JOBID</a:t>
+                      </a:r>
+                      <a:endParaRPr lang="zh-CN" altLang="en-US" sz="2000" dirty="0">
+                        <a:latin typeface="Times New Roman" panose="02020603050405020304" pitchFamily="18" charset="0"/>
+                        <a:cs typeface="Times New Roman" panose="02020603050405020304" pitchFamily="18" charset="0"/>
+                      </a:endParaRPr>
+                    </a:p>
+                  </a:txBody>
+                  <a:tcPr/>
+                </a:tc>
+                <a:tc>
+                  <a:txBody>
+                    <a:bodyPr/>
+                    <a:lstStyle/>
+                    <a:p>
+                      <a:r>
+                        <a:rPr lang="en-US" altLang="zh-CN" sz="2000" dirty="0">
+                          <a:latin typeface="Times New Roman" panose="02020603050405020304" pitchFamily="18" charset="0"/>
+                          <a:cs typeface="Times New Roman" panose="02020603050405020304" pitchFamily="18" charset="0"/>
+                        </a:rPr>
+                        <a:t>Num thread</a:t>
+                      </a:r>
+                      <a:endParaRPr lang="zh-CN" altLang="en-US" sz="2000" dirty="0">
+                        <a:latin typeface="Times New Roman" panose="02020603050405020304" pitchFamily="18" charset="0"/>
+                        <a:cs typeface="Times New Roman" panose="02020603050405020304" pitchFamily="18" charset="0"/>
+                      </a:endParaRPr>
+                    </a:p>
+                  </a:txBody>
+                  <a:tcPr/>
+                </a:tc>
+                <a:tc>
+                  <a:txBody>
+                    <a:bodyPr/>
+                    <a:lstStyle/>
+                    <a:p>
+                      <a:r>
+                        <a:rPr lang="en-US" altLang="zh-CN" sz="2000" dirty="0">
+                          <a:latin typeface="Times New Roman" panose="02020603050405020304" pitchFamily="18" charset="0"/>
+                          <a:cs typeface="Times New Roman" panose="02020603050405020304" pitchFamily="18" charset="0"/>
+                        </a:rPr>
+                        <a:t>speed</a:t>
+                      </a:r>
+                      <a:endParaRPr lang="zh-CN" altLang="en-US" sz="2000" dirty="0">
+                        <a:latin typeface="Times New Roman" panose="02020603050405020304" pitchFamily="18" charset="0"/>
+                        <a:cs typeface="Times New Roman" panose="02020603050405020304" pitchFamily="18" charset="0"/>
+                      </a:endParaRPr>
+                    </a:p>
+                  </a:txBody>
+                  <a:tcPr/>
+                </a:tc>
+                <a:tc>
+                  <a:txBody>
+                    <a:bodyPr/>
+                    <a:lstStyle/>
+                    <a:p>
+                      <a:endParaRPr lang="zh-CN" altLang="en-US" sz="2000" dirty="0">
+                        <a:latin typeface="Times New Roman" panose="02020603050405020304" pitchFamily="18" charset="0"/>
+                        <a:cs typeface="Times New Roman" panose="02020603050405020304" pitchFamily="18" charset="0"/>
+                      </a:endParaRPr>
+                    </a:p>
+                  </a:txBody>
+                  <a:tcPr/>
+                </a:tc>
+                <a:extLst>
+                  <a:ext uri="{0D108BD9-81ED-4DB2-BD59-A6C34878D82A}">
+                    <a16:rowId xmlns:a16="http://schemas.microsoft.com/office/drawing/2014/main" val="1140407429"/>
+                  </a:ext>
+                </a:extLst>
+              </a:tr>
+              <a:tr h="517872">
+                <a:tc>
+                  <a:txBody>
+                    <a:bodyPr/>
+                    <a:lstStyle/>
+                    <a:p>
+                      <a:r>
+                        <a:rPr lang="en-US" altLang="zh-CN" sz="2000" dirty="0">
+                          <a:latin typeface="Times New Roman" panose="02020603050405020304" pitchFamily="18" charset="0"/>
+                          <a:cs typeface="Times New Roman" panose="02020603050405020304" pitchFamily="18" charset="0"/>
+                        </a:rPr>
+                        <a:t>2 exclusive nodes</a:t>
+                      </a:r>
+                      <a:endParaRPr lang="zh-CN" altLang="en-US" sz="2000" dirty="0">
+                        <a:latin typeface="Times New Roman" panose="02020603050405020304" pitchFamily="18" charset="0"/>
+                        <a:cs typeface="Times New Roman" panose="02020603050405020304" pitchFamily="18" charset="0"/>
+                      </a:endParaRPr>
+                    </a:p>
+                  </a:txBody>
+                  <a:tcPr/>
+                </a:tc>
+                <a:tc>
+                  <a:txBody>
+                    <a:bodyPr/>
+                    <a:lstStyle/>
+                    <a:p>
+                      <a:r>
+                        <a:rPr lang="en-US" altLang="zh-CN" sz="2000" dirty="0">
+                          <a:latin typeface="Times New Roman" panose="02020603050405020304" pitchFamily="18" charset="0"/>
+                          <a:cs typeface="Times New Roman" panose="02020603050405020304" pitchFamily="18" charset="0"/>
+                        </a:rPr>
+                        <a:t>393458</a:t>
+                      </a:r>
+                    </a:p>
+                  </a:txBody>
+                  <a:tcPr/>
+                </a:tc>
+                <a:tc>
+                  <a:txBody>
+                    <a:bodyPr/>
+                    <a:lstStyle/>
+                    <a:p>
+                      <a:r>
+                        <a:rPr lang="en-US" altLang="zh-CN" sz="2000" dirty="0">
+                          <a:latin typeface="Times New Roman" panose="02020603050405020304" pitchFamily="18" charset="0"/>
+                          <a:cs typeface="Times New Roman" panose="02020603050405020304" pitchFamily="18" charset="0"/>
+                        </a:rPr>
+                        <a:t>8 process, each 24 threads</a:t>
+                      </a:r>
+                      <a:endParaRPr lang="zh-CN" altLang="en-US" sz="2000" dirty="0">
+                        <a:latin typeface="Times New Roman" panose="02020603050405020304" pitchFamily="18" charset="0"/>
+                        <a:cs typeface="Times New Roman" panose="02020603050405020304" pitchFamily="18" charset="0"/>
+                      </a:endParaRPr>
+                    </a:p>
+                  </a:txBody>
+                  <a:tcPr/>
+                </a:tc>
+                <a:tc>
+                  <a:txBody>
+                    <a:bodyPr/>
+                    <a:lstStyle/>
+                    <a:p>
+                      <a:endParaRPr lang="zh-CN" altLang="en-US" sz="2000" dirty="0">
+                        <a:latin typeface="Times New Roman" panose="02020603050405020304" pitchFamily="18" charset="0"/>
+                        <a:cs typeface="Times New Roman" panose="02020603050405020304" pitchFamily="18" charset="0"/>
+                      </a:endParaRPr>
+                    </a:p>
+                  </a:txBody>
+                  <a:tcPr/>
+                </a:tc>
+                <a:tc>
+                  <a:txBody>
+                    <a:bodyPr/>
+                    <a:lstStyle/>
+                    <a:p>
+                      <a:endParaRPr lang="zh-CN" altLang="en-US" sz="2000" dirty="0">
+                        <a:latin typeface="Times New Roman" panose="02020603050405020304" pitchFamily="18" charset="0"/>
+                        <a:cs typeface="Times New Roman" panose="02020603050405020304" pitchFamily="18" charset="0"/>
+                      </a:endParaRPr>
+                    </a:p>
+                  </a:txBody>
+                  <a:tcPr/>
+                </a:tc>
+                <a:extLst>
+                  <a:ext uri="{0D108BD9-81ED-4DB2-BD59-A6C34878D82A}">
+                    <a16:rowId xmlns:a16="http://schemas.microsoft.com/office/drawing/2014/main" val="2733459114"/>
+                  </a:ext>
+                </a:extLst>
+              </a:tr>
+              <a:tr h="517872">
+                <a:tc>
+                  <a:txBody>
+                    <a:bodyPr/>
+                    <a:lstStyle/>
+                    <a:p>
+                      <a:r>
+                        <a:rPr lang="en-US" altLang="zh-CN" sz="2000" dirty="0">
+                          <a:latin typeface="Times New Roman" panose="02020603050405020304" pitchFamily="18" charset="0"/>
+                          <a:cs typeface="Times New Roman" panose="02020603050405020304" pitchFamily="18" charset="0"/>
+                        </a:rPr>
+                        <a:t>4 exclusive nodes</a:t>
+                      </a:r>
+                      <a:endParaRPr lang="zh-CN" altLang="en-US" sz="2000" dirty="0">
+                        <a:latin typeface="Times New Roman" panose="02020603050405020304" pitchFamily="18" charset="0"/>
+                        <a:cs typeface="Times New Roman" panose="02020603050405020304" pitchFamily="18" charset="0"/>
+                      </a:endParaRPr>
+                    </a:p>
+                  </a:txBody>
+                  <a:tcPr/>
+                </a:tc>
+                <a:tc>
+                  <a:txBody>
+                    <a:bodyPr/>
+                    <a:lstStyle/>
+                    <a:p>
+                      <a:r>
+                        <a:rPr lang="en-US" altLang="zh-CN" sz="2000" dirty="0">
+                          <a:latin typeface="Times New Roman" panose="02020603050405020304" pitchFamily="18" charset="0"/>
+                          <a:cs typeface="Times New Roman" panose="02020603050405020304" pitchFamily="18" charset="0"/>
+                        </a:rPr>
+                        <a:t>393234</a:t>
+                      </a:r>
+                    </a:p>
+                    <a:p>
+                      <a:endParaRPr lang="en-US" altLang="zh-CN" sz="2000" dirty="0">
+                        <a:latin typeface="Times New Roman" panose="02020603050405020304" pitchFamily="18" charset="0"/>
+                        <a:cs typeface="Times New Roman" panose="02020603050405020304" pitchFamily="18" charset="0"/>
+                      </a:endParaRPr>
+                    </a:p>
+                  </a:txBody>
+                  <a:tcPr/>
+                </a:tc>
+                <a:tc>
+                  <a:txBody>
+                    <a:bodyPr/>
+                    <a:lstStyle/>
+                    <a:p>
+                      <a:r>
+                        <a:rPr lang="en-US" altLang="zh-CN" sz="2000" dirty="0">
+                          <a:latin typeface="Times New Roman" panose="02020603050405020304" pitchFamily="18" charset="0"/>
+                          <a:cs typeface="Times New Roman" panose="02020603050405020304" pitchFamily="18" charset="0"/>
+                        </a:rPr>
+                        <a:t>4 process, each 48 threads</a:t>
+                      </a:r>
+                    </a:p>
+                  </a:txBody>
+                  <a:tcPr/>
+                </a:tc>
+                <a:tc>
+                  <a:txBody>
+                    <a:bodyPr/>
+                    <a:lstStyle/>
+                    <a:p>
+                      <a:endParaRPr lang="zh-CN" altLang="en-US" sz="2000" dirty="0">
+                        <a:latin typeface="Times New Roman" panose="02020603050405020304" pitchFamily="18" charset="0"/>
+                        <a:cs typeface="Times New Roman" panose="02020603050405020304" pitchFamily="18" charset="0"/>
+                      </a:endParaRPr>
+                    </a:p>
+                  </a:txBody>
+                  <a:tcPr/>
+                </a:tc>
+                <a:tc>
+                  <a:txBody>
+                    <a:bodyPr/>
+                    <a:lstStyle/>
+                    <a:p>
+                      <a:endParaRPr lang="zh-CN" altLang="en-US" sz="2000" dirty="0">
+                        <a:latin typeface="Times New Roman" panose="02020603050405020304" pitchFamily="18" charset="0"/>
+                        <a:cs typeface="Times New Roman" panose="02020603050405020304" pitchFamily="18" charset="0"/>
+                      </a:endParaRPr>
+                    </a:p>
+                  </a:txBody>
+                  <a:tcPr/>
+                </a:tc>
+                <a:extLst>
+                  <a:ext uri="{0D108BD9-81ED-4DB2-BD59-A6C34878D82A}">
+                    <a16:rowId xmlns:a16="http://schemas.microsoft.com/office/drawing/2014/main" val="1666228950"/>
+                  </a:ext>
+                </a:extLst>
+              </a:tr>
+              <a:tr h="517872">
+                <a:tc>
+                  <a:txBody>
+                    <a:bodyPr/>
+                    <a:lstStyle/>
+                    <a:p>
+                      <a:r>
+                        <a:rPr lang="en-US" altLang="zh-CN" sz="2000" dirty="0">
+                          <a:latin typeface="Times New Roman" panose="02020603050405020304" pitchFamily="18" charset="0"/>
+                          <a:cs typeface="Times New Roman" panose="02020603050405020304" pitchFamily="18" charset="0"/>
+                        </a:rPr>
+                        <a:t>Two exclusive nodes</a:t>
+                      </a:r>
+                      <a:endParaRPr lang="zh-CN" altLang="en-US" sz="2000" dirty="0">
+                        <a:latin typeface="Times New Roman" panose="02020603050405020304" pitchFamily="18" charset="0"/>
+                        <a:cs typeface="Times New Roman" panose="02020603050405020304" pitchFamily="18" charset="0"/>
+                      </a:endParaRPr>
+                    </a:p>
+                  </a:txBody>
+                  <a:tcPr/>
+                </a:tc>
+                <a:tc>
+                  <a:txBody>
+                    <a:bodyPr/>
+                    <a:lstStyle/>
+                    <a:p>
+                      <a:pPr marL="0" marR="0" lvl="0" indent="0" algn="l" defTabSz="914400" rtl="0" eaLnBrk="1" fontAlgn="auto" latinLnBrk="0" hangingPunct="1">
+                        <a:lnSpc>
+                          <a:spcPct val="100000"/>
+                        </a:lnSpc>
+                        <a:spcBef>
+                          <a:spcPts val="0"/>
+                        </a:spcBef>
+                        <a:spcAft>
+                          <a:spcPts val="0"/>
+                        </a:spcAft>
+                        <a:buClrTx/>
+                        <a:buSzTx/>
+                        <a:buFontTx/>
+                        <a:buNone/>
+                        <a:tabLst/>
+                        <a:defRPr/>
+                      </a:pPr>
+                      <a:r>
+                        <a:rPr lang="en-US" altLang="zh-CN" sz="2000" dirty="0">
+                          <a:latin typeface="Times New Roman" panose="02020603050405020304" pitchFamily="18" charset="0"/>
+                          <a:cs typeface="Times New Roman" panose="02020603050405020304" pitchFamily="18" charset="0"/>
+                        </a:rPr>
+                        <a:t>393210</a:t>
+                      </a:r>
+                    </a:p>
+                    <a:p>
+                      <a:pPr marL="0" marR="0" lvl="0" indent="0" algn="l" defTabSz="914400" rtl="0" eaLnBrk="1" fontAlgn="auto" latinLnBrk="0" hangingPunct="1">
+                        <a:lnSpc>
+                          <a:spcPct val="100000"/>
+                        </a:lnSpc>
+                        <a:spcBef>
+                          <a:spcPts val="0"/>
+                        </a:spcBef>
+                        <a:spcAft>
+                          <a:spcPts val="0"/>
+                        </a:spcAft>
+                        <a:buClrTx/>
+                        <a:buSzTx/>
+                        <a:buFontTx/>
+                        <a:buNone/>
+                        <a:tabLst/>
+                        <a:defRPr/>
+                      </a:pPr>
+                      <a:endParaRPr lang="en-US" altLang="zh-CN" sz="2000" dirty="0">
+                        <a:latin typeface="Times New Roman" panose="02020603050405020304" pitchFamily="18" charset="0"/>
+                        <a:cs typeface="Times New Roman" panose="02020603050405020304" pitchFamily="18" charset="0"/>
+                      </a:endParaRPr>
+                    </a:p>
+                  </a:txBody>
+                  <a:tcPr/>
+                </a:tc>
+                <a:tc>
+                  <a:txBody>
+                    <a:bodyPr/>
+                    <a:lstStyle/>
+                    <a:p>
+                      <a:r>
+                        <a:rPr lang="en-US" altLang="zh-CN" sz="2000" dirty="0">
+                          <a:latin typeface="Times New Roman" panose="02020603050405020304" pitchFamily="18" charset="0"/>
+                          <a:cs typeface="Times New Roman" panose="02020603050405020304" pitchFamily="18" charset="0"/>
+                        </a:rPr>
+                        <a:t>4 process, each 48 threads</a:t>
+                      </a:r>
+                      <a:endParaRPr lang="zh-CN" altLang="en-US" sz="2000" dirty="0">
+                        <a:latin typeface="Times New Roman" panose="02020603050405020304" pitchFamily="18" charset="0"/>
+                        <a:cs typeface="Times New Roman" panose="02020603050405020304" pitchFamily="18" charset="0"/>
+                      </a:endParaRPr>
+                    </a:p>
+                  </a:txBody>
+                  <a:tcPr/>
+                </a:tc>
+                <a:tc>
+                  <a:txBody>
+                    <a:bodyPr/>
+                    <a:lstStyle/>
+                    <a:p>
+                      <a:endParaRPr lang="zh-CN" altLang="en-US" sz="2000" dirty="0">
+                        <a:latin typeface="Times New Roman" panose="02020603050405020304" pitchFamily="18" charset="0"/>
+                        <a:cs typeface="Times New Roman" panose="02020603050405020304" pitchFamily="18" charset="0"/>
+                      </a:endParaRPr>
+                    </a:p>
+                  </a:txBody>
+                  <a:tcPr/>
+                </a:tc>
+                <a:tc>
+                  <a:txBody>
+                    <a:bodyPr/>
+                    <a:lstStyle/>
+                    <a:p>
+                      <a:endParaRPr lang="zh-CN" altLang="en-US" sz="2000" dirty="0">
+                        <a:latin typeface="Times New Roman" panose="02020603050405020304" pitchFamily="18" charset="0"/>
+                        <a:cs typeface="Times New Roman" panose="02020603050405020304" pitchFamily="18" charset="0"/>
+                      </a:endParaRPr>
+                    </a:p>
+                  </a:txBody>
+                  <a:tcPr/>
+                </a:tc>
+                <a:extLst>
+                  <a:ext uri="{0D108BD9-81ED-4DB2-BD59-A6C34878D82A}">
+                    <a16:rowId xmlns:a16="http://schemas.microsoft.com/office/drawing/2014/main" val="2913943329"/>
+                  </a:ext>
+                </a:extLst>
+              </a:tr>
+              <a:tr h="517872">
+                <a:tc>
+                  <a:txBody>
+                    <a:bodyPr/>
+                    <a:lstStyle/>
+                    <a:p>
+                      <a:r>
+                        <a:rPr lang="en-US" altLang="zh-CN" sz="2000" dirty="0">
+                          <a:latin typeface="Times New Roman" panose="02020603050405020304" pitchFamily="18" charset="0"/>
+                          <a:cs typeface="Times New Roman" panose="02020603050405020304" pitchFamily="18" charset="0"/>
+                        </a:rPr>
+                        <a:t>Exclusive node</a:t>
+                      </a:r>
+                      <a:endParaRPr lang="zh-CN" altLang="en-US" sz="2000" dirty="0">
+                        <a:latin typeface="Times New Roman" panose="02020603050405020304" pitchFamily="18" charset="0"/>
+                        <a:cs typeface="Times New Roman" panose="02020603050405020304" pitchFamily="18" charset="0"/>
+                      </a:endParaRPr>
+                    </a:p>
+                  </a:txBody>
+                  <a:tcPr/>
+                </a:tc>
+                <a:tc>
+                  <a:txBody>
+                    <a:bodyPr/>
+                    <a:lstStyle/>
+                    <a:p>
+                      <a:pPr marL="0" marR="0" lvl="0" indent="0" algn="l" defTabSz="914400" rtl="0" eaLnBrk="1" fontAlgn="auto" latinLnBrk="0" hangingPunct="1">
+                        <a:lnSpc>
+                          <a:spcPct val="100000"/>
+                        </a:lnSpc>
+                        <a:spcBef>
+                          <a:spcPts val="0"/>
+                        </a:spcBef>
+                        <a:spcAft>
+                          <a:spcPts val="0"/>
+                        </a:spcAft>
+                        <a:buClrTx/>
+                        <a:buSzTx/>
+                        <a:buFontTx/>
+                        <a:buNone/>
+                        <a:tabLst/>
+                        <a:defRPr/>
+                      </a:pPr>
+                      <a:r>
+                        <a:rPr lang="en-US" altLang="zh-CN" sz="2000" dirty="0">
+                          <a:latin typeface="Times New Roman" panose="02020603050405020304" pitchFamily="18" charset="0"/>
+                          <a:cs typeface="Times New Roman" panose="02020603050405020304" pitchFamily="18" charset="0"/>
+                        </a:rPr>
+                        <a:t>393123</a:t>
+                      </a:r>
+                    </a:p>
+                  </a:txBody>
+                  <a:tcPr/>
+                </a:tc>
+                <a:tc>
+                  <a:txBody>
+                    <a:bodyPr/>
+                    <a:lstStyle/>
+                    <a:p>
+                      <a:r>
+                        <a:rPr lang="en-US" altLang="zh-CN" sz="2000" dirty="0">
+                          <a:latin typeface="Times New Roman" panose="02020603050405020304" pitchFamily="18" charset="0"/>
+                          <a:cs typeface="Times New Roman" panose="02020603050405020304" pitchFamily="18" charset="0"/>
+                        </a:rPr>
+                        <a:t>Single process, 48 threads, binding </a:t>
+                      </a:r>
+                      <a:r>
+                        <a:rPr lang="en-US" altLang="zh-CN" sz="2000" dirty="0" err="1">
+                          <a:latin typeface="Times New Roman" panose="02020603050405020304" pitchFamily="18" charset="0"/>
+                          <a:cs typeface="Times New Roman" panose="02020603050405020304" pitchFamily="18" charset="0"/>
+                        </a:rPr>
+                        <a:t>cpu</a:t>
+                      </a:r>
+                      <a:endParaRPr lang="zh-CN" altLang="en-US" sz="2000" dirty="0">
+                        <a:latin typeface="Times New Roman" panose="02020603050405020304" pitchFamily="18" charset="0"/>
+                        <a:cs typeface="Times New Roman" panose="02020603050405020304" pitchFamily="18" charset="0"/>
+                      </a:endParaRPr>
+                    </a:p>
+                  </a:txBody>
+                  <a:tcPr/>
+                </a:tc>
+                <a:tc>
+                  <a:txBody>
+                    <a:bodyPr/>
+                    <a:lstStyle/>
+                    <a:p>
+                      <a:endParaRPr lang="zh-CN" altLang="en-US" sz="2000" dirty="0">
+                        <a:latin typeface="Times New Roman" panose="02020603050405020304" pitchFamily="18" charset="0"/>
+                        <a:cs typeface="Times New Roman" panose="02020603050405020304" pitchFamily="18" charset="0"/>
+                      </a:endParaRPr>
+                    </a:p>
+                  </a:txBody>
+                  <a:tcPr/>
+                </a:tc>
+                <a:tc>
+                  <a:txBody>
+                    <a:bodyPr/>
+                    <a:lstStyle/>
+                    <a:p>
+                      <a:endParaRPr lang="zh-CN" altLang="en-US" sz="2000" dirty="0">
+                        <a:latin typeface="Times New Roman" panose="02020603050405020304" pitchFamily="18" charset="0"/>
+                        <a:cs typeface="Times New Roman" panose="02020603050405020304" pitchFamily="18" charset="0"/>
+                      </a:endParaRPr>
+                    </a:p>
+                  </a:txBody>
+                  <a:tcPr/>
+                </a:tc>
+                <a:extLst>
+                  <a:ext uri="{0D108BD9-81ED-4DB2-BD59-A6C34878D82A}">
+                    <a16:rowId xmlns:a16="http://schemas.microsoft.com/office/drawing/2014/main" val="666918307"/>
+                  </a:ext>
+                </a:extLst>
+              </a:tr>
+              <a:tr h="517872">
+                <a:tc>
+                  <a:txBody>
+                    <a:bodyPr/>
+                    <a:lstStyle/>
+                    <a:p>
+                      <a:r>
+                        <a:rPr lang="en-US" altLang="zh-CN" sz="2000" dirty="0">
+                          <a:latin typeface="Times New Roman" panose="02020603050405020304" pitchFamily="18" charset="0"/>
+                          <a:cs typeface="Times New Roman" panose="02020603050405020304" pitchFamily="18" charset="0"/>
+                        </a:rPr>
+                        <a:t>Exclusive node</a:t>
+                      </a:r>
+                      <a:endParaRPr lang="zh-CN" altLang="en-US" sz="2000" dirty="0">
+                        <a:latin typeface="Times New Roman" panose="02020603050405020304" pitchFamily="18" charset="0"/>
+                        <a:cs typeface="Times New Roman" panose="02020603050405020304" pitchFamily="18" charset="0"/>
+                      </a:endParaRPr>
+                    </a:p>
+                  </a:txBody>
+                  <a:tcPr/>
+                </a:tc>
+                <a:tc>
+                  <a:txBody>
+                    <a:bodyPr/>
+                    <a:lstStyle/>
+                    <a:p>
+                      <a:pPr marL="0" marR="0" lvl="0" indent="0" algn="l" defTabSz="914400" rtl="0" eaLnBrk="1" fontAlgn="auto" latinLnBrk="0" hangingPunct="1">
+                        <a:lnSpc>
+                          <a:spcPct val="100000"/>
+                        </a:lnSpc>
+                        <a:spcBef>
+                          <a:spcPts val="0"/>
+                        </a:spcBef>
+                        <a:spcAft>
+                          <a:spcPts val="0"/>
+                        </a:spcAft>
+                        <a:buClrTx/>
+                        <a:buSzTx/>
+                        <a:buFontTx/>
+                        <a:buNone/>
+                        <a:tabLst/>
+                        <a:defRPr/>
+                      </a:pPr>
+                      <a:r>
+                        <a:rPr lang="en-US" altLang="zh-CN" sz="2000" dirty="0">
+                          <a:latin typeface="Times New Roman" panose="02020603050405020304" pitchFamily="18" charset="0"/>
+                          <a:cs typeface="Times New Roman" panose="02020603050405020304" pitchFamily="18" charset="0"/>
+                        </a:rPr>
+                        <a:t>393045</a:t>
+                      </a:r>
+                    </a:p>
+                  </a:txBody>
+                  <a:tcPr/>
+                </a:tc>
+                <a:tc>
+                  <a:txBody>
+                    <a:bodyPr/>
+                    <a:lstStyle/>
+                    <a:p>
+                      <a:r>
+                        <a:rPr lang="en-US" altLang="zh-CN" sz="2000" dirty="0">
+                          <a:latin typeface="Times New Roman" panose="02020603050405020304" pitchFamily="18" charset="0"/>
+                          <a:cs typeface="Times New Roman" panose="02020603050405020304" pitchFamily="18" charset="0"/>
+                        </a:rPr>
+                        <a:t>Single process, 24, threads, binding </a:t>
+                      </a:r>
+                      <a:r>
+                        <a:rPr lang="en-US" altLang="zh-CN" sz="2000" dirty="0" err="1">
+                          <a:latin typeface="Times New Roman" panose="02020603050405020304" pitchFamily="18" charset="0"/>
+                          <a:cs typeface="Times New Roman" panose="02020603050405020304" pitchFamily="18" charset="0"/>
+                        </a:rPr>
+                        <a:t>cpu</a:t>
+                      </a:r>
+                      <a:endParaRPr lang="zh-CN" altLang="en-US" sz="2000" dirty="0">
+                        <a:latin typeface="Times New Roman" panose="02020603050405020304" pitchFamily="18" charset="0"/>
+                        <a:cs typeface="Times New Roman" panose="02020603050405020304" pitchFamily="18" charset="0"/>
+                      </a:endParaRPr>
+                    </a:p>
+                  </a:txBody>
+                  <a:tcPr/>
+                </a:tc>
+                <a:tc>
+                  <a:txBody>
+                    <a:bodyPr/>
+                    <a:lstStyle/>
+                    <a:p>
+                      <a:endParaRPr lang="zh-CN" altLang="en-US" sz="2000" dirty="0">
+                        <a:latin typeface="Times New Roman" panose="02020603050405020304" pitchFamily="18" charset="0"/>
+                        <a:cs typeface="Times New Roman" panose="02020603050405020304" pitchFamily="18" charset="0"/>
+                      </a:endParaRPr>
+                    </a:p>
+                  </a:txBody>
+                  <a:tcPr/>
+                </a:tc>
+                <a:tc>
+                  <a:txBody>
+                    <a:bodyPr/>
+                    <a:lstStyle/>
+                    <a:p>
+                      <a:endParaRPr lang="zh-CN" altLang="en-US" sz="2000" dirty="0">
+                        <a:latin typeface="Times New Roman" panose="02020603050405020304" pitchFamily="18" charset="0"/>
+                        <a:cs typeface="Times New Roman" panose="02020603050405020304" pitchFamily="18" charset="0"/>
+                      </a:endParaRPr>
+                    </a:p>
+                  </a:txBody>
+                  <a:tcPr/>
+                </a:tc>
+                <a:extLst>
+                  <a:ext uri="{0D108BD9-81ED-4DB2-BD59-A6C34878D82A}">
+                    <a16:rowId xmlns:a16="http://schemas.microsoft.com/office/drawing/2014/main" val="2699179161"/>
+                  </a:ext>
+                </a:extLst>
+              </a:tr>
+              <a:tr h="517872">
+                <a:tc>
+                  <a:txBody>
+                    <a:bodyPr/>
+                    <a:lstStyle/>
+                    <a:p>
+                      <a:r>
+                        <a:rPr lang="en-US" altLang="zh-CN" sz="2000" dirty="0">
+                          <a:latin typeface="Times New Roman" panose="02020603050405020304" pitchFamily="18" charset="0"/>
+                          <a:cs typeface="Times New Roman" panose="02020603050405020304" pitchFamily="18" charset="0"/>
+                        </a:rPr>
+                        <a:t>2 exclusive nodes</a:t>
+                      </a:r>
+                      <a:endParaRPr lang="zh-CN" altLang="en-US" sz="2000" dirty="0">
+                        <a:latin typeface="Times New Roman" panose="02020603050405020304" pitchFamily="18" charset="0"/>
+                        <a:cs typeface="Times New Roman" panose="02020603050405020304" pitchFamily="18" charset="0"/>
+                      </a:endParaRPr>
+                    </a:p>
+                  </a:txBody>
+                  <a:tcPr/>
+                </a:tc>
+                <a:tc>
+                  <a:txBody>
+                    <a:bodyPr/>
+                    <a:lstStyle/>
+                    <a:p>
+                      <a:pPr marL="0" marR="0" lvl="0" indent="0" algn="l" defTabSz="914400" rtl="0" eaLnBrk="1" fontAlgn="auto" latinLnBrk="0" hangingPunct="1">
+                        <a:lnSpc>
+                          <a:spcPct val="100000"/>
+                        </a:lnSpc>
+                        <a:spcBef>
+                          <a:spcPts val="0"/>
+                        </a:spcBef>
+                        <a:spcAft>
+                          <a:spcPts val="0"/>
+                        </a:spcAft>
+                        <a:buClrTx/>
+                        <a:buSzTx/>
+                        <a:buFontTx/>
+                        <a:buNone/>
+                        <a:tabLst/>
+                        <a:defRPr/>
+                      </a:pPr>
+                      <a:r>
+                        <a:rPr lang="en-US" altLang="zh-CN" sz="2000" dirty="0">
+                          <a:latin typeface="Times New Roman" panose="02020603050405020304" pitchFamily="18" charset="0"/>
+                          <a:cs typeface="Times New Roman" panose="02020603050405020304" pitchFamily="18" charset="0"/>
+                        </a:rPr>
+                        <a:t>391740</a:t>
+                      </a:r>
+                    </a:p>
+                  </a:txBody>
+                  <a:tcPr/>
+                </a:tc>
+                <a:tc>
+                  <a:txBody>
+                    <a:bodyPr/>
+                    <a:lstStyle/>
+                    <a:p>
+                      <a:r>
+                        <a:rPr lang="en-US" altLang="zh-CN" sz="2000" dirty="0">
+                          <a:latin typeface="Times New Roman" panose="02020603050405020304" pitchFamily="18" charset="0"/>
+                          <a:cs typeface="Times New Roman" panose="02020603050405020304" pitchFamily="18" charset="0"/>
+                        </a:rPr>
+                        <a:t>4 process, each 24 threads</a:t>
+                      </a:r>
+                      <a:endParaRPr lang="zh-CN" altLang="en-US" sz="2000" dirty="0">
+                        <a:latin typeface="Times New Roman" panose="02020603050405020304" pitchFamily="18" charset="0"/>
+                        <a:cs typeface="Times New Roman" panose="02020603050405020304" pitchFamily="18" charset="0"/>
+                      </a:endParaRPr>
+                    </a:p>
+                  </a:txBody>
+                  <a:tcPr/>
+                </a:tc>
+                <a:tc>
+                  <a:txBody>
+                    <a:bodyPr/>
+                    <a:lstStyle/>
+                    <a:p>
+                      <a:endParaRPr lang="zh-CN" altLang="en-US" sz="2000" dirty="0">
+                        <a:latin typeface="Times New Roman" panose="02020603050405020304" pitchFamily="18" charset="0"/>
+                        <a:cs typeface="Times New Roman" panose="02020603050405020304" pitchFamily="18" charset="0"/>
+                      </a:endParaRPr>
+                    </a:p>
+                  </a:txBody>
+                  <a:tcPr/>
+                </a:tc>
+                <a:tc>
+                  <a:txBody>
+                    <a:bodyPr/>
+                    <a:lstStyle/>
+                    <a:p>
+                      <a:endParaRPr lang="zh-CN" altLang="en-US" sz="2000" dirty="0">
+                        <a:latin typeface="Times New Roman" panose="02020603050405020304" pitchFamily="18" charset="0"/>
+                        <a:cs typeface="Times New Roman" panose="02020603050405020304" pitchFamily="18" charset="0"/>
+                      </a:endParaRPr>
+                    </a:p>
+                  </a:txBody>
+                  <a:tcPr/>
+                </a:tc>
+                <a:extLst>
+                  <a:ext uri="{0D108BD9-81ED-4DB2-BD59-A6C34878D82A}">
+                    <a16:rowId xmlns:a16="http://schemas.microsoft.com/office/drawing/2014/main" val="630919638"/>
+                  </a:ext>
+                </a:extLst>
+              </a:tr>
+            </a:tbl>
+          </a:graphicData>
+        </a:graphic>
+      </p:graphicFrame>
+    </p:spTree>
+    <p:extLst>
+      <p:ext uri="{BB962C8B-B14F-4D97-AF65-F5344CB8AC3E}">
+        <p14:creationId xmlns:p14="http://schemas.microsoft.com/office/powerpoint/2010/main" val="2609920457"/>
+      </p:ext>
+    </p:extLst>
+  </p:cSld>
+  <p:clrMapOvr>
+    <a:masterClrMapping/>
+  </p:clrMapOvr>
+</p:sld>
+</file>
+
 <file path=ppt/theme/theme1.xml><?xml version="1.0" encoding="utf-8"?>
 <a:theme xmlns:a="http://schemas.openxmlformats.org/drawingml/2006/main" name="Office 主题​​">
   <a:themeElements>
